--- a/20190123/PASS-GTSSUG-20190123.pptx
+++ b/20190123/PASS-GTSSUG-20190123.pptx
@@ -217,7 +217,7 @@
           <a:p>
             <a:fld id="{D7FE7AFA-B288-4772-BBF4-2A3B98CDEDAE}" type="datetimeFigureOut">
               <a:rPr lang="en-US" smtClean="0"/>
-              <a:t>1/21/2019</a:t>
+              <a:t>1/22/2019</a:t>
             </a:fld>
             <a:endParaRPr lang="en-US"/>
           </a:p>
@@ -2128,7 +2128,7 @@
           <a:p>
             <a:fld id="{25853183-E962-45DB-AED7-29BF3FE93141}" type="datetimeFigureOut">
               <a:rPr lang="en-US" smtClean="0"/>
-              <a:t>1/21/2019</a:t>
+              <a:t>1/22/2019</a:t>
             </a:fld>
             <a:endParaRPr lang="en-US"/>
           </a:p>
@@ -2292,7 +2292,7 @@
           <a:p>
             <a:fld id="{25853183-E962-45DB-AED7-29BF3FE93141}" type="datetimeFigureOut">
               <a:rPr lang="en-US" smtClean="0"/>
-              <a:t>1/21/2019</a:t>
+              <a:t>1/22/2019</a:t>
             </a:fld>
             <a:endParaRPr lang="en-US"/>
           </a:p>
@@ -2533,7 +2533,7 @@
           <a:p>
             <a:fld id="{25853183-E962-45DB-AED7-29BF3FE93141}" type="datetimeFigureOut">
               <a:rPr lang="en-US" smtClean="0"/>
-              <a:t>1/21/2019</a:t>
+              <a:t>1/22/2019</a:t>
             </a:fld>
             <a:endParaRPr lang="en-US"/>
           </a:p>
@@ -2930,7 +2930,7 @@
           <a:p>
             <a:fld id="{25853183-E962-45DB-AED7-29BF3FE93141}" type="datetimeFigureOut">
               <a:rPr lang="en-US" smtClean="0"/>
-              <a:t>1/21/2019</a:t>
+              <a:t>1/22/2019</a:t>
             </a:fld>
             <a:endParaRPr lang="en-US"/>
           </a:p>
@@ -3290,7 +3290,7 @@
           <a:p>
             <a:fld id="{25853183-E962-45DB-AED7-29BF3FE93141}" type="datetimeFigureOut">
               <a:rPr lang="en-US" smtClean="0"/>
-              <a:t>1/21/2019</a:t>
+              <a:t>1/22/2019</a:t>
             </a:fld>
             <a:endParaRPr lang="en-US"/>
           </a:p>
@@ -3403,7 +3403,7 @@
           <a:p>
             <a:fld id="{25853183-E962-45DB-AED7-29BF3FE93141}" type="datetimeFigureOut">
               <a:rPr lang="en-US" smtClean="0"/>
-              <a:t>1/21/2019</a:t>
+              <a:t>1/22/2019</a:t>
             </a:fld>
             <a:endParaRPr lang="en-US"/>
           </a:p>
@@ -3494,7 +3494,7 @@
           <a:p>
             <a:fld id="{25853183-E962-45DB-AED7-29BF3FE93141}" type="datetimeFigureOut">
               <a:rPr lang="en-US" smtClean="0"/>
-              <a:t>1/21/2019</a:t>
+              <a:t>1/22/2019</a:t>
             </a:fld>
             <a:endParaRPr lang="en-US"/>
           </a:p>
@@ -3765,7 +3765,7 @@
           <a:p>
             <a:fld id="{25853183-E962-45DB-AED7-29BF3FE93141}" type="datetimeFigureOut">
               <a:rPr lang="en-US" smtClean="0"/>
-              <a:t>1/21/2019</a:t>
+              <a:t>1/22/2019</a:t>
             </a:fld>
             <a:endParaRPr lang="en-US"/>
           </a:p>
@@ -4016,7 +4016,7 @@
           <a:p>
             <a:fld id="{25853183-E962-45DB-AED7-29BF3FE93141}" type="datetimeFigureOut">
               <a:rPr lang="en-US" smtClean="0"/>
-              <a:t>1/21/2019</a:t>
+              <a:t>1/22/2019</a:t>
             </a:fld>
             <a:endParaRPr lang="en-US"/>
           </a:p>
@@ -4180,7 +4180,7 @@
           <a:p>
             <a:fld id="{25853183-E962-45DB-AED7-29BF3FE93141}" type="datetimeFigureOut">
               <a:rPr lang="en-US" smtClean="0"/>
-              <a:t>1/21/2019</a:t>
+              <a:t>1/22/2019</a:t>
             </a:fld>
             <a:endParaRPr lang="en-US"/>
           </a:p>
@@ -4354,7 +4354,7 @@
           <a:p>
             <a:fld id="{25853183-E962-45DB-AED7-29BF3FE93141}" type="datetimeFigureOut">
               <a:rPr lang="en-US" smtClean="0"/>
-              <a:t>1/21/2019</a:t>
+              <a:t>1/22/2019</a:t>
             </a:fld>
             <a:endParaRPr lang="en-US"/>
           </a:p>
@@ -7874,7 +7874,7 @@
           <a:p>
             <a:fld id="{25853183-E962-45DB-AED7-29BF3FE93141}" type="datetimeFigureOut">
               <a:rPr lang="en-US" smtClean="0"/>
-              <a:t>1/21/2019</a:t>
+              <a:t>1/22/2019</a:t>
             </a:fld>
             <a:endParaRPr lang="en-US"/>
           </a:p>
@@ -9569,41 +9569,6 @@
           </a:xfrm>
         </p:spPr>
       </p:pic>
-      <p:sp>
-        <p:nvSpPr>
-          <p:cNvPr id="7" name="TextBox 6">
-            <a:extLst>
-              <a:ext uri="{FF2B5EF4-FFF2-40B4-BE49-F238E27FC236}">
-                <a16:creationId xmlns:a16="http://schemas.microsoft.com/office/drawing/2014/main" id="{611FFB76-2327-4144-8701-CFDCA26E0863}"/>
-              </a:ext>
-            </a:extLst>
-          </p:cNvPr>
-          <p:cNvSpPr txBox="1"/>
-          <p:nvPr/>
-        </p:nvSpPr>
-        <p:spPr>
-          <a:xfrm>
-            <a:off x="3563616" y="638735"/>
-            <a:ext cx="3515963" cy="369332"/>
-          </a:xfrm>
-          <a:prstGeom prst="rect">
-            <a:avLst/>
-          </a:prstGeom>
-          <a:noFill/>
-        </p:spPr>
-        <p:txBody>
-          <a:bodyPr wrap="none" rtlCol="0">
-            <a:spAutoFit/>
-          </a:bodyPr>
-          <a:lstStyle/>
-          <a:p>
-            <a:r>
-              <a:rPr lang="en-US" b="1" dirty="0"/>
-              <a:t>Speakers from our PASS group</a:t>
-            </a:r>
-          </a:p>
-        </p:txBody>
-      </p:sp>
       <p:pic>
         <p:nvPicPr>
           <p:cNvPr id="14" name="Picture 13">
@@ -10125,6 +10090,190 @@
           </a:p>
         </p:txBody>
       </p:sp>
+      <p:sp>
+        <p:nvSpPr>
+          <p:cNvPr id="12" name="TextBox 1">
+            <a:extLst>
+              <a:ext uri="{FF2B5EF4-FFF2-40B4-BE49-F238E27FC236}">
+                <a16:creationId xmlns:a16="http://schemas.microsoft.com/office/drawing/2014/main" id="{4E3BF673-A4F8-464A-ADC9-94D74F6F30FB}"/>
+              </a:ext>
+            </a:extLst>
+          </p:cNvPr>
+          <p:cNvSpPr txBox="1">
+            <a:spLocks noChangeArrowheads="1"/>
+          </p:cNvSpPr>
+          <p:nvPr/>
+        </p:nvSpPr>
+        <p:spPr bwMode="auto">
+          <a:xfrm>
+            <a:off x="489729" y="5957655"/>
+            <a:ext cx="7570453" cy="523220"/>
+          </a:xfrm>
+          <a:prstGeom prst="rect">
+            <a:avLst/>
+          </a:prstGeom>
+          <a:noFill/>
+          <a:ln>
+            <a:noFill/>
+          </a:ln>
+          <a:extLst>
+            <a:ext uri="{909E8E84-426E-40dd-AFC4-6F175D3DCCD1}">
+              <a14:hiddenFill xmlns="" xmlns:a14="http://schemas.microsoft.com/office/drawing/2010/main">
+                <a:solidFill>
+                  <a:srgbClr val="FFFFFF"/>
+                </a:solidFill>
+              </a14:hiddenFill>
+            </a:ext>
+            <a:ext uri="{91240B29-F687-4f45-9708-019B960494DF}">
+              <a14:hiddenLine xmlns="" xmlns:a14="http://schemas.microsoft.com/office/drawing/2010/main" w="9525">
+                <a:solidFill>
+                  <a:srgbClr val="000000"/>
+                </a:solidFill>
+                <a:miter lim="800000"/>
+                <a:headEnd/>
+                <a:tailEnd/>
+              </a14:hiddenLine>
+            </a:ext>
+          </a:extLst>
+        </p:spPr>
+        <p:txBody>
+          <a:bodyPr wrap="square">
+            <a:spAutoFit/>
+          </a:bodyPr>
+          <a:lstStyle>
+            <a:lvl1pPr>
+              <a:defRPr>
+                <a:solidFill>
+                  <a:schemeClr val="tx1"/>
+                </a:solidFill>
+                <a:latin typeface="Segoe UI" panose="020B0502040204020203" pitchFamily="34" charset="0"/>
+                <a:cs typeface="Arial" panose="020B0604020202020204" pitchFamily="34" charset="0"/>
+              </a:defRPr>
+            </a:lvl1pPr>
+            <a:lvl2pPr marL="742950" indent="-285750">
+              <a:defRPr>
+                <a:solidFill>
+                  <a:schemeClr val="tx1"/>
+                </a:solidFill>
+                <a:latin typeface="Segoe UI" panose="020B0502040204020203" pitchFamily="34" charset="0"/>
+                <a:cs typeface="Arial" panose="020B0604020202020204" pitchFamily="34" charset="0"/>
+              </a:defRPr>
+            </a:lvl2pPr>
+            <a:lvl3pPr marL="1143000" indent="-228600">
+              <a:defRPr>
+                <a:solidFill>
+                  <a:schemeClr val="tx1"/>
+                </a:solidFill>
+                <a:latin typeface="Segoe UI" panose="020B0502040204020203" pitchFamily="34" charset="0"/>
+                <a:cs typeface="Arial" panose="020B0604020202020204" pitchFamily="34" charset="0"/>
+              </a:defRPr>
+            </a:lvl3pPr>
+            <a:lvl4pPr marL="1600200" indent="-228600">
+              <a:defRPr>
+                <a:solidFill>
+                  <a:schemeClr val="tx1"/>
+                </a:solidFill>
+                <a:latin typeface="Segoe UI" panose="020B0502040204020203" pitchFamily="34" charset="0"/>
+                <a:cs typeface="Arial" panose="020B0604020202020204" pitchFamily="34" charset="0"/>
+              </a:defRPr>
+            </a:lvl4pPr>
+            <a:lvl5pPr marL="2057400" indent="-228600">
+              <a:defRPr>
+                <a:solidFill>
+                  <a:schemeClr val="tx1"/>
+                </a:solidFill>
+                <a:latin typeface="Segoe UI" panose="020B0502040204020203" pitchFamily="34" charset="0"/>
+                <a:cs typeface="Arial" panose="020B0604020202020204" pitchFamily="34" charset="0"/>
+              </a:defRPr>
+            </a:lvl5pPr>
+            <a:lvl6pPr marL="2514600" indent="-228600" eaLnBrk="0" fontAlgn="base" hangingPunct="0">
+              <a:spcBef>
+                <a:spcPct val="0"/>
+              </a:spcBef>
+              <a:spcAft>
+                <a:spcPct val="0"/>
+              </a:spcAft>
+              <a:defRPr>
+                <a:solidFill>
+                  <a:schemeClr val="tx1"/>
+                </a:solidFill>
+                <a:latin typeface="Segoe UI" panose="020B0502040204020203" pitchFamily="34" charset="0"/>
+                <a:cs typeface="Arial" panose="020B0604020202020204" pitchFamily="34" charset="0"/>
+              </a:defRPr>
+            </a:lvl6pPr>
+            <a:lvl7pPr marL="2971800" indent="-228600" eaLnBrk="0" fontAlgn="base" hangingPunct="0">
+              <a:spcBef>
+                <a:spcPct val="0"/>
+              </a:spcBef>
+              <a:spcAft>
+                <a:spcPct val="0"/>
+              </a:spcAft>
+              <a:defRPr>
+                <a:solidFill>
+                  <a:schemeClr val="tx1"/>
+                </a:solidFill>
+                <a:latin typeface="Segoe UI" panose="020B0502040204020203" pitchFamily="34" charset="0"/>
+                <a:cs typeface="Arial" panose="020B0604020202020204" pitchFamily="34" charset="0"/>
+              </a:defRPr>
+            </a:lvl7pPr>
+            <a:lvl8pPr marL="3429000" indent="-228600" eaLnBrk="0" fontAlgn="base" hangingPunct="0">
+              <a:spcBef>
+                <a:spcPct val="0"/>
+              </a:spcBef>
+              <a:spcAft>
+                <a:spcPct val="0"/>
+              </a:spcAft>
+              <a:defRPr>
+                <a:solidFill>
+                  <a:schemeClr val="tx1"/>
+                </a:solidFill>
+                <a:latin typeface="Segoe UI" panose="020B0502040204020203" pitchFamily="34" charset="0"/>
+                <a:cs typeface="Arial" panose="020B0604020202020204" pitchFamily="34" charset="0"/>
+              </a:defRPr>
+            </a:lvl8pPr>
+            <a:lvl9pPr marL="3886200" indent="-228600" eaLnBrk="0" fontAlgn="base" hangingPunct="0">
+              <a:spcBef>
+                <a:spcPct val="0"/>
+              </a:spcBef>
+              <a:spcAft>
+                <a:spcPct val="0"/>
+              </a:spcAft>
+              <a:defRPr>
+                <a:solidFill>
+                  <a:schemeClr val="tx1"/>
+                </a:solidFill>
+                <a:latin typeface="Segoe UI" panose="020B0502040204020203" pitchFamily="34" charset="0"/>
+                <a:cs typeface="Arial" panose="020B0604020202020204" pitchFamily="34" charset="0"/>
+              </a:defRPr>
+            </a:lvl9pPr>
+          </a:lstStyle>
+          <a:p>
+            <a:pPr eaLnBrk="1" hangingPunct="1"/>
+            <a:r>
+              <a:rPr lang="en-US" sz="2800" b="1" dirty="0">
+                <a:latin typeface="+mn-lt"/>
+                <a:ea typeface="Segoe"/>
+                <a:cs typeface="Segoe"/>
+              </a:rPr>
+              <a:t>Register in Guatemala’s SQL Saturday </a:t>
+            </a:r>
+            <a:r>
+              <a:rPr lang="en-US" sz="2800" b="1" dirty="0">
+                <a:latin typeface="+mn-lt"/>
+                <a:ea typeface="Segoe"/>
+                <a:cs typeface="Segoe"/>
+                <a:hlinkClick r:id="rId6"/>
+              </a:rPr>
+              <a:t>HERE</a:t>
+            </a:r>
+            <a:endParaRPr lang="en-US" sz="2800" b="1" dirty="0">
+              <a:latin typeface="+mn-lt"/>
+              <a:ea typeface="Segoe"/>
+              <a:cs typeface="Segoe"/>
+            </a:endParaRPr>
+          </a:p>
+        </p:txBody>
+      </p:sp>
     </p:spTree>
     <p:extLst>
       <p:ext uri="{BB962C8B-B14F-4D97-AF65-F5344CB8AC3E}">
@@ -10203,7 +10352,7 @@
         <p:spPr>
           <a:xfrm>
             <a:off x="1718854" y="2305615"/>
-            <a:ext cx="9047468" cy="2246769"/>
+            <a:ext cx="9047468" cy="2677656"/>
           </a:xfrm>
           <a:prstGeom prst="rect">
             <a:avLst/>
@@ -10217,7 +10366,7 @@
           <a:p>
             <a:r>
               <a:rPr lang="en-US" sz="2800" dirty="0"/>
-              <a:t>Want to participate as speaker in the next Guatemala's SQL Server User Group meeting? Then visit:</a:t>
+              <a:t>Want to participate as speaker in the next Guatemala's SQL Server User Group meeting? Then fill out the online form with a brief description of your session here:</a:t>
             </a:r>
           </a:p>
           <a:p>
@@ -10318,7 +10467,7 @@
         </p:blipFill>
         <p:spPr>
           <a:xfrm>
-            <a:off x="1194312" y="2599069"/>
+            <a:off x="1194312" y="2721079"/>
             <a:ext cx="5191125" cy="1400175"/>
           </a:xfrm>
           <a:prstGeom prst="rect">
@@ -10378,11 +10527,10 @@
       </p:sp>
       <p:pic>
         <p:nvPicPr>
-          <p:cNvPr id="8" name="Picture 7">
-            <a:hlinkClick r:id="rId5"/>
+          <p:cNvPr id="3" name="Picture 2">
             <a:extLst>
               <a:ext uri="{FF2B5EF4-FFF2-40B4-BE49-F238E27FC236}">
-                <a16:creationId xmlns:a16="http://schemas.microsoft.com/office/drawing/2014/main" id="{3560513C-FDDE-49DB-928F-E4DF568C6891}"/>
+                <a16:creationId xmlns:a16="http://schemas.microsoft.com/office/drawing/2014/main" id="{273BDF2A-EB14-4E6A-83E7-4F2009915025}"/>
               </a:ext>
             </a:extLst>
           </p:cNvPr>
@@ -10392,7 +10540,7 @@
           <p:nvPr/>
         </p:nvPicPr>
         <p:blipFill>
-          <a:blip r:embed="rId6">
+          <a:blip r:embed="rId5">
             <a:extLst>
               <a:ext uri="{28A0092B-C50C-407E-A947-70E740481C1C}">
                 <a14:useLocalDpi xmlns:a14="http://schemas.microsoft.com/office/drawing/2010/main" val="0"/>
@@ -10405,8 +10553,8 @@
         </p:blipFill>
         <p:spPr>
           <a:xfrm>
-            <a:off x="7584087" y="2528671"/>
-            <a:ext cx="3703507" cy="1540970"/>
+            <a:off x="7072312" y="2606902"/>
+            <a:ext cx="3565158" cy="1628529"/>
           </a:xfrm>
           <a:prstGeom prst="rect">
             <a:avLst/>
@@ -10735,72 +10883,6 @@
           </a:p>
         </p:txBody>
       </p:sp>
-      <p:pic>
-        <p:nvPicPr>
-          <p:cNvPr id="7" name="Picture 6">
-            <a:extLst>
-              <a:ext uri="{FF2B5EF4-FFF2-40B4-BE49-F238E27FC236}">
-                <a16:creationId xmlns:a16="http://schemas.microsoft.com/office/drawing/2014/main" id="{3EC41CE7-51D5-4107-9CC1-FE7F07D07DCA}"/>
-              </a:ext>
-            </a:extLst>
-          </p:cNvPr>
-          <p:cNvPicPr>
-            <a:picLocks noChangeAspect="1"/>
-          </p:cNvPicPr>
-          <p:nvPr/>
-        </p:nvPicPr>
-        <p:blipFill>
-          <a:blip r:embed="rId3">
-            <a:extLst>
-              <a:ext uri="{28A0092B-C50C-407E-A947-70E740481C1C}">
-                <a14:useLocalDpi xmlns:a14="http://schemas.microsoft.com/office/drawing/2010/main" val="0"/>
-              </a:ext>
-            </a:extLst>
-          </a:blip>
-          <a:stretch>
-            <a:fillRect/>
-          </a:stretch>
-        </p:blipFill>
-        <p:spPr>
-          <a:xfrm>
-            <a:off x="4386723" y="2309168"/>
-            <a:ext cx="3723353" cy="3723353"/>
-          </a:xfrm>
-          <a:prstGeom prst="rect">
-            <a:avLst/>
-          </a:prstGeom>
-          <a:solidFill>
-            <a:srgbClr val="FFFFFF">
-              <a:shade val="85000"/>
-            </a:srgbClr>
-          </a:solidFill>
-          <a:ln w="88900" cap="sq">
-            <a:solidFill>
-              <a:srgbClr val="FFFFFF"/>
-            </a:solidFill>
-            <a:miter lim="800000"/>
-          </a:ln>
-          <a:effectLst>
-            <a:outerShdw blurRad="55000" dist="18000" dir="5400000" algn="tl" rotWithShape="0">
-              <a:srgbClr val="000000">
-                <a:alpha val="40000"/>
-              </a:srgbClr>
-            </a:outerShdw>
-          </a:effectLst>
-          <a:scene3d>
-            <a:camera prst="orthographicFront"/>
-            <a:lightRig rig="twoPt" dir="t">
-              <a:rot lat="0" lon="0" rev="7200000"/>
-            </a:lightRig>
-          </a:scene3d>
-          <a:sp3d>
-            <a:bevelT w="25400" h="19050"/>
-            <a:contourClr>
-              <a:srgbClr val="FFFFFF"/>
-            </a:contourClr>
-          </a:sp3d>
-        </p:spPr>
-      </p:pic>
     </p:spTree>
     <p:extLst>
       <p:ext uri="{BB962C8B-B14F-4D97-AF65-F5344CB8AC3E}">
@@ -12305,7 +12387,7 @@
           <p:nvPr>
             <p:extLst>
               <p:ext uri="{D42A27DB-BD31-4B8C-83A1-F6EECF244321}">
-                <p14:modId xmlns:p14="http://schemas.microsoft.com/office/powerpoint/2010/main" val="2002447230"/>
+                <p14:modId xmlns:p14="http://schemas.microsoft.com/office/powerpoint/2010/main" val="1075123197"/>
               </p:ext>
             </p:extLst>
           </p:nvPr>
@@ -13347,7 +13429,7 @@
                     <a:p>
                       <a:pPr algn="ctr" rtl="0" fontAlgn="ctr"/>
                       <a:r>
-                        <a:rPr lang="en-CA" sz="1050" b="0" i="0" u="none" strike="noStrike">
+                        <a:rPr lang="en-CA" sz="1050" b="0" i="0" u="none" strike="noStrike" dirty="0">
                           <a:solidFill>
                             <a:srgbClr val="000000"/>
                           </a:solidFill>
@@ -13437,7 +13519,7 @@
                       <a:r>
                         <a:rPr lang="en-US" sz="1050" b="1" i="0" u="none" strike="noStrike" dirty="0">
                           <a:solidFill>
-                            <a:srgbClr val="000000"/>
+                            <a:srgbClr val="FF0000"/>
                           </a:solidFill>
                           <a:effectLst/>
                           <a:latin typeface="Segoe"/>
@@ -13450,7 +13532,7 @@
                       <a:r>
                         <a:rPr lang="en-US" sz="1050" b="1" i="0" u="none" strike="noStrike" dirty="0">
                           <a:solidFill>
-                            <a:srgbClr val="000000"/>
+                            <a:srgbClr val="FF0000"/>
                           </a:solidFill>
                           <a:effectLst/>
                           <a:latin typeface="Segoe"/>
@@ -13460,7 +13542,7 @@
                       <a:r>
                         <a:rPr lang="en-US" sz="1050" b="1" i="0" u="none" strike="noStrike" dirty="0" err="1">
                           <a:solidFill>
-                            <a:srgbClr val="000000"/>
+                            <a:srgbClr val="FF0000"/>
                           </a:solidFill>
                           <a:effectLst/>
                           <a:latin typeface="Segoe"/>
@@ -13469,7 +13551,7 @@
                       </a:r>
                       <a:endParaRPr lang="en-US" sz="1050" b="1" i="0" u="none" strike="noStrike" dirty="0">
                         <a:solidFill>
-                          <a:srgbClr val="000000"/>
+                          <a:srgbClr val="FF0000"/>
                         </a:solidFill>
                         <a:effectLst/>
                         <a:latin typeface="Segoe"/>
@@ -13694,7 +13776,7 @@
                       <a:r>
                         <a:rPr lang="en-US" sz="1050" b="1" i="0" u="none" strike="noStrike" dirty="0">
                           <a:solidFill>
-                            <a:srgbClr val="000000"/>
+                            <a:schemeClr val="bg1"/>
                           </a:solidFill>
                           <a:effectLst/>
                           <a:latin typeface="Segoe"/>
@@ -13707,7 +13789,7 @@
                       <a:r>
                         <a:rPr lang="en-US" sz="1050" b="1" i="0" u="none" strike="noStrike" dirty="0">
                           <a:solidFill>
-                            <a:srgbClr val="000000"/>
+                            <a:schemeClr val="bg1"/>
                           </a:solidFill>
                           <a:effectLst/>
                           <a:latin typeface="Segoe"/>
@@ -13717,7 +13799,7 @@
                       <a:r>
                         <a:rPr lang="en-US" sz="1050" b="1" i="0" u="none" strike="noStrike" dirty="0" err="1">
                           <a:solidFill>
-                            <a:srgbClr val="000000"/>
+                            <a:schemeClr val="bg1"/>
                           </a:solidFill>
                           <a:effectLst/>
                           <a:latin typeface="Segoe"/>
@@ -13727,7 +13809,7 @@
                       <a:r>
                         <a:rPr lang="en-US" sz="1050" b="1" i="0" u="none" strike="noStrike" dirty="0">
                           <a:solidFill>
-                            <a:srgbClr val="000000"/>
+                            <a:schemeClr val="bg1"/>
                           </a:solidFill>
                           <a:effectLst/>
                           <a:latin typeface="Segoe"/>
@@ -14143,7 +14225,7 @@
           <p:nvPr>
             <p:extLst>
               <p:ext uri="{D42A27DB-BD31-4B8C-83A1-F6EECF244321}">
-                <p14:modId xmlns:p14="http://schemas.microsoft.com/office/powerpoint/2010/main" val="1548572256"/>
+                <p14:modId xmlns:p14="http://schemas.microsoft.com/office/powerpoint/2010/main" val="3491959612"/>
               </p:ext>
             </p:extLst>
           </p:nvPr>
@@ -14821,7 +14903,7 @@
                       <a:r>
                         <a:rPr lang="en-US" sz="1050" b="1" i="0" u="none" strike="noStrike" dirty="0">
                           <a:solidFill>
-                            <a:srgbClr val="000000"/>
+                            <a:schemeClr val="accent6"/>
                           </a:solidFill>
                           <a:effectLst/>
                           <a:latin typeface="Segoe"/>
@@ -14834,7 +14916,7 @@
                       <a:r>
                         <a:rPr lang="en-US" sz="1050" b="1" i="0" u="none" strike="noStrike" dirty="0">
                           <a:solidFill>
-                            <a:srgbClr val="000000"/>
+                            <a:schemeClr val="accent6"/>
                           </a:solidFill>
                           <a:effectLst/>
                           <a:latin typeface="Segoe"/>
@@ -14844,7 +14926,7 @@
                       <a:r>
                         <a:rPr lang="en-US" sz="1050" b="1" i="0" u="none" strike="noStrike" dirty="0" err="1">
                           <a:solidFill>
-                            <a:srgbClr val="000000"/>
+                            <a:schemeClr val="accent6"/>
                           </a:solidFill>
                           <a:effectLst/>
                           <a:latin typeface="Segoe"/>
@@ -14853,7 +14935,7 @@
                       </a:r>
                       <a:endParaRPr lang="en-US" sz="1050" b="1" i="0" u="none" strike="noStrike" dirty="0">
                         <a:solidFill>
-                          <a:srgbClr val="000000"/>
+                          <a:schemeClr val="accent6"/>
                         </a:solidFill>
                         <a:effectLst/>
                         <a:latin typeface="Segoe"/>
@@ -15732,189 +15814,6 @@
           </a:prstGeom>
         </p:spPr>
       </p:pic>
-      <p:sp>
-        <p:nvSpPr>
-          <p:cNvPr id="10" name="TextBox 1"/>
-          <p:cNvSpPr txBox="1">
-            <a:spLocks noChangeArrowheads="1"/>
-          </p:cNvSpPr>
-          <p:nvPr/>
-        </p:nvSpPr>
-        <p:spPr bwMode="auto">
-          <a:xfrm>
-            <a:off x="6216563" y="6043462"/>
-            <a:ext cx="4357816" cy="677108"/>
-          </a:xfrm>
-          <a:prstGeom prst="rect">
-            <a:avLst/>
-          </a:prstGeom>
-          <a:noFill/>
-          <a:ln>
-            <a:noFill/>
-          </a:ln>
-          <a:extLst>
-            <a:ext uri="{909E8E84-426E-40dd-AFC4-6F175D3DCCD1}">
-              <a14:hiddenFill xmlns:a14="http://schemas.microsoft.com/office/drawing/2010/main" xmlns="">
-                <a:solidFill>
-                  <a:srgbClr val="FFFFFF"/>
-                </a:solidFill>
-              </a14:hiddenFill>
-            </a:ext>
-            <a:ext uri="{91240B29-F687-4f45-9708-019B960494DF}">
-              <a14:hiddenLine xmlns:a14="http://schemas.microsoft.com/office/drawing/2010/main" xmlns="" w="9525">
-                <a:solidFill>
-                  <a:srgbClr val="000000"/>
-                </a:solidFill>
-                <a:miter lim="800000"/>
-                <a:headEnd/>
-                <a:tailEnd/>
-              </a14:hiddenLine>
-            </a:ext>
-          </a:extLst>
-        </p:spPr>
-        <p:txBody>
-          <a:bodyPr wrap="square">
-            <a:spAutoFit/>
-          </a:bodyPr>
-          <a:lstStyle>
-            <a:lvl1pPr>
-              <a:defRPr>
-                <a:solidFill>
-                  <a:schemeClr val="tx1"/>
-                </a:solidFill>
-                <a:latin typeface="Segoe UI" panose="020B0502040204020203" pitchFamily="34" charset="0"/>
-                <a:cs typeface="Arial" panose="020B0604020202020204" pitchFamily="34" charset="0"/>
-              </a:defRPr>
-            </a:lvl1pPr>
-            <a:lvl2pPr marL="742950" indent="-285750">
-              <a:defRPr>
-                <a:solidFill>
-                  <a:schemeClr val="tx1"/>
-                </a:solidFill>
-                <a:latin typeface="Segoe UI" panose="020B0502040204020203" pitchFamily="34" charset="0"/>
-                <a:cs typeface="Arial" panose="020B0604020202020204" pitchFamily="34" charset="0"/>
-              </a:defRPr>
-            </a:lvl2pPr>
-            <a:lvl3pPr marL="1143000" indent="-228600">
-              <a:defRPr>
-                <a:solidFill>
-                  <a:schemeClr val="tx1"/>
-                </a:solidFill>
-                <a:latin typeface="Segoe UI" panose="020B0502040204020203" pitchFamily="34" charset="0"/>
-                <a:cs typeface="Arial" panose="020B0604020202020204" pitchFamily="34" charset="0"/>
-              </a:defRPr>
-            </a:lvl3pPr>
-            <a:lvl4pPr marL="1600200" indent="-228600">
-              <a:defRPr>
-                <a:solidFill>
-                  <a:schemeClr val="tx1"/>
-                </a:solidFill>
-                <a:latin typeface="Segoe UI" panose="020B0502040204020203" pitchFamily="34" charset="0"/>
-                <a:cs typeface="Arial" panose="020B0604020202020204" pitchFamily="34" charset="0"/>
-              </a:defRPr>
-            </a:lvl4pPr>
-            <a:lvl5pPr marL="2057400" indent="-228600">
-              <a:defRPr>
-                <a:solidFill>
-                  <a:schemeClr val="tx1"/>
-                </a:solidFill>
-                <a:latin typeface="Segoe UI" panose="020B0502040204020203" pitchFamily="34" charset="0"/>
-                <a:cs typeface="Arial" panose="020B0604020202020204" pitchFamily="34" charset="0"/>
-              </a:defRPr>
-            </a:lvl5pPr>
-            <a:lvl6pPr marL="2514600" indent="-228600" eaLnBrk="0" fontAlgn="base" hangingPunct="0">
-              <a:spcBef>
-                <a:spcPct val="0"/>
-              </a:spcBef>
-              <a:spcAft>
-                <a:spcPct val="0"/>
-              </a:spcAft>
-              <a:defRPr>
-                <a:solidFill>
-                  <a:schemeClr val="tx1"/>
-                </a:solidFill>
-                <a:latin typeface="Segoe UI" panose="020B0502040204020203" pitchFamily="34" charset="0"/>
-                <a:cs typeface="Arial" panose="020B0604020202020204" pitchFamily="34" charset="0"/>
-              </a:defRPr>
-            </a:lvl6pPr>
-            <a:lvl7pPr marL="2971800" indent="-228600" eaLnBrk="0" fontAlgn="base" hangingPunct="0">
-              <a:spcBef>
-                <a:spcPct val="0"/>
-              </a:spcBef>
-              <a:spcAft>
-                <a:spcPct val="0"/>
-              </a:spcAft>
-              <a:defRPr>
-                <a:solidFill>
-                  <a:schemeClr val="tx1"/>
-                </a:solidFill>
-                <a:latin typeface="Segoe UI" panose="020B0502040204020203" pitchFamily="34" charset="0"/>
-                <a:cs typeface="Arial" panose="020B0604020202020204" pitchFamily="34" charset="0"/>
-              </a:defRPr>
-            </a:lvl7pPr>
-            <a:lvl8pPr marL="3429000" indent="-228600" eaLnBrk="0" fontAlgn="base" hangingPunct="0">
-              <a:spcBef>
-                <a:spcPct val="0"/>
-              </a:spcBef>
-              <a:spcAft>
-                <a:spcPct val="0"/>
-              </a:spcAft>
-              <a:defRPr>
-                <a:solidFill>
-                  <a:schemeClr val="tx1"/>
-                </a:solidFill>
-                <a:latin typeface="Segoe UI" panose="020B0502040204020203" pitchFamily="34" charset="0"/>
-                <a:cs typeface="Arial" panose="020B0604020202020204" pitchFamily="34" charset="0"/>
-              </a:defRPr>
-            </a:lvl8pPr>
-            <a:lvl9pPr marL="3886200" indent="-228600" eaLnBrk="0" fontAlgn="base" hangingPunct="0">
-              <a:spcBef>
-                <a:spcPct val="0"/>
-              </a:spcBef>
-              <a:spcAft>
-                <a:spcPct val="0"/>
-              </a:spcAft>
-              <a:defRPr>
-                <a:solidFill>
-                  <a:schemeClr val="tx1"/>
-                </a:solidFill>
-                <a:latin typeface="Segoe UI" panose="020B0502040204020203" pitchFamily="34" charset="0"/>
-                <a:cs typeface="Arial" panose="020B0604020202020204" pitchFamily="34" charset="0"/>
-              </a:defRPr>
-            </a:lvl9pPr>
-          </a:lstStyle>
-          <a:p>
-            <a:pPr algn="ctr" eaLnBrk="1" hangingPunct="1"/>
-            <a:r>
-              <a:rPr lang="en-US" dirty="0">
-                <a:latin typeface="+mn-lt"/>
-                <a:ea typeface="Segoe"/>
-                <a:cs typeface="Segoe"/>
-              </a:rPr>
-              <a:t>Visit </a:t>
-            </a:r>
-            <a:r>
-              <a:rPr lang="en-US" sz="2000" b="1" dirty="0">
-                <a:solidFill>
-                  <a:srgbClr val="5486B8"/>
-                </a:solidFill>
-                <a:latin typeface="+mn-lt"/>
-                <a:cs typeface="Segoe"/>
-                <a:hlinkClick r:id="rId4"/>
-              </a:rPr>
-              <a:t>sqlsaturday.com</a:t>
-            </a:r>
-            <a:r>
-              <a:rPr lang="en-US" dirty="0">
-                <a:latin typeface="+mn-lt"/>
-                <a:ea typeface="Segoe"/>
-                <a:cs typeface="Segoe"/>
-              </a:rPr>
-              <a:t> to register for an event near you!</a:t>
-            </a:r>
-          </a:p>
-        </p:txBody>
-      </p:sp>
       <p:pic>
         <p:nvPicPr>
           <p:cNvPr id="4" name="Picture 3"/>
@@ -15924,7 +15823,7 @@
           <p:nvPr/>
         </p:nvPicPr>
         <p:blipFill rotWithShape="1">
-          <a:blip r:embed="rId5">
+          <a:blip r:embed="rId4">
             <a:extLst>
               <a:ext uri="{28A0092B-C50C-407E-A947-70E740481C1C}">
                 <a14:useLocalDpi xmlns:a14="http://schemas.microsoft.com/office/drawing/2010/main" val="0"/>
@@ -15944,292 +15843,6 @@
           </a:prstGeom>
         </p:spPr>
       </p:pic>
-      <p:sp>
-        <p:nvSpPr>
-          <p:cNvPr id="15" name="Content Placeholder 12">
-            <a:extLst>
-              <a:ext uri="{FF2B5EF4-FFF2-40B4-BE49-F238E27FC236}">
-                <a16:creationId xmlns:a16="http://schemas.microsoft.com/office/drawing/2014/main" id="{6B2E32EA-86E1-4BE5-B6C0-D21388B87A93}"/>
-              </a:ext>
-            </a:extLst>
-          </p:cNvPr>
-          <p:cNvSpPr txBox="1">
-            <a:spLocks/>
-          </p:cNvSpPr>
-          <p:nvPr/>
-        </p:nvSpPr>
-        <p:spPr bwMode="auto">
-          <a:xfrm>
-            <a:off x="6113368" y="5409480"/>
-            <a:ext cx="4214068" cy="1448520"/>
-          </a:xfrm>
-          <a:prstGeom prst="rect">
-            <a:avLst/>
-          </a:prstGeom>
-          <a:noFill/>
-          <a:ln>
-            <a:noFill/>
-          </a:ln>
-          <a:extLst>
-            <a:ext uri="{909E8E84-426E-40dd-AFC4-6F175D3DCCD1}">
-              <a14:hiddenFill xmlns:a14="http://schemas.microsoft.com/office/drawing/2010/main" xmlns="">
-                <a:solidFill>
-                  <a:srgbClr val="FFFFFF"/>
-                </a:solidFill>
-              </a14:hiddenFill>
-            </a:ext>
-            <a:ext uri="{91240B29-F687-4f45-9708-019B960494DF}">
-              <a14:hiddenLine xmlns:a14="http://schemas.microsoft.com/office/drawing/2010/main" xmlns="" w="9525">
-                <a:solidFill>
-                  <a:srgbClr val="000000"/>
-                </a:solidFill>
-                <a:miter lim="800000"/>
-                <a:headEnd/>
-                <a:tailEnd/>
-              </a14:hiddenLine>
-            </a:ext>
-          </a:extLst>
-        </p:spPr>
-        <p:txBody>
-          <a:bodyPr>
-            <a:noAutofit/>
-          </a:bodyPr>
-          <a:lstStyle>
-            <a:lvl1pPr marL="169863" indent="-169863" algn="l" rtl="0" eaLnBrk="0" fontAlgn="base" hangingPunct="0">
-              <a:spcBef>
-                <a:spcPct val="20000"/>
-              </a:spcBef>
-              <a:spcAft>
-                <a:spcPct val="0"/>
-              </a:spcAft>
-              <a:buClr>
-                <a:schemeClr val="accent4"/>
-              </a:buClr>
-              <a:buFont typeface="Arial"/>
-              <a:buChar char="•"/>
-              <a:defRPr sz="1400" kern="1200">
-                <a:solidFill>
-                  <a:srgbClr val="595959"/>
-                </a:solidFill>
-                <a:latin typeface="+mn-lt"/>
-                <a:ea typeface="Segoe"/>
-                <a:cs typeface="Segoe"/>
-              </a:defRPr>
-            </a:lvl1pPr>
-            <a:lvl2pPr marL="169863" indent="-169863" algn="l" rtl="0" eaLnBrk="0" fontAlgn="base" hangingPunct="0">
-              <a:spcBef>
-                <a:spcPct val="20000"/>
-              </a:spcBef>
-              <a:spcAft>
-                <a:spcPct val="0"/>
-              </a:spcAft>
-              <a:buClr>
-                <a:schemeClr val="accent4"/>
-              </a:buClr>
-              <a:buFont typeface="Arial"/>
-              <a:buChar char="•"/>
-              <a:defRPr lang="en-US" sz="1400" kern="1200">
-                <a:solidFill>
-                  <a:srgbClr val="595959"/>
-                </a:solidFill>
-                <a:latin typeface="+mn-lt"/>
-                <a:ea typeface="Segoe"/>
-                <a:cs typeface="Segoe"/>
-              </a:defRPr>
-            </a:lvl2pPr>
-            <a:lvl3pPr marL="169863" indent="-169863" algn="l" rtl="0" eaLnBrk="0" fontAlgn="base" hangingPunct="0">
-              <a:spcBef>
-                <a:spcPct val="20000"/>
-              </a:spcBef>
-              <a:spcAft>
-                <a:spcPct val="0"/>
-              </a:spcAft>
-              <a:buClr>
-                <a:schemeClr val="accent4"/>
-              </a:buClr>
-              <a:buFont typeface="Arial"/>
-              <a:buChar char="•"/>
-              <a:defRPr lang="en-US" sz="1400" kern="1200">
-                <a:solidFill>
-                  <a:srgbClr val="595959"/>
-                </a:solidFill>
-                <a:latin typeface="+mn-lt"/>
-                <a:ea typeface="Segoe"/>
-                <a:cs typeface="Segoe"/>
-              </a:defRPr>
-            </a:lvl3pPr>
-            <a:lvl4pPr marL="169863" indent="-169863" algn="l" rtl="0" eaLnBrk="0" fontAlgn="base" hangingPunct="0">
-              <a:spcBef>
-                <a:spcPct val="20000"/>
-              </a:spcBef>
-              <a:spcAft>
-                <a:spcPct val="0"/>
-              </a:spcAft>
-              <a:buClr>
-                <a:schemeClr val="accent4"/>
-              </a:buClr>
-              <a:buFont typeface="Arial"/>
-              <a:buChar char="•"/>
-              <a:defRPr lang="en-US" sz="1400" kern="1200">
-                <a:solidFill>
-                  <a:srgbClr val="595959"/>
-                </a:solidFill>
-                <a:latin typeface="+mn-lt"/>
-                <a:ea typeface="Segoe"/>
-                <a:cs typeface="Segoe"/>
-              </a:defRPr>
-            </a:lvl4pPr>
-            <a:lvl5pPr marL="169863" indent="-169863" algn="l" rtl="0" eaLnBrk="0" fontAlgn="base" hangingPunct="0">
-              <a:spcBef>
-                <a:spcPct val="20000"/>
-              </a:spcBef>
-              <a:spcAft>
-                <a:spcPct val="0"/>
-              </a:spcAft>
-              <a:buClr>
-                <a:schemeClr val="accent4"/>
-              </a:buClr>
-              <a:buFont typeface="Arial"/>
-              <a:buChar char="•"/>
-              <a:defRPr lang="en-US" sz="1400" kern="1200">
-                <a:solidFill>
-                  <a:srgbClr val="595959"/>
-                </a:solidFill>
-                <a:latin typeface="+mn-lt"/>
-                <a:ea typeface="Segoe"/>
-                <a:cs typeface="Segoe"/>
-              </a:defRPr>
-            </a:lvl5pPr>
-            <a:lvl6pPr marL="2514600" indent="-228600" algn="l" defTabSz="914400" rtl="0" eaLnBrk="1" latinLnBrk="0" hangingPunct="1">
-              <a:spcBef>
-                <a:spcPct val="20000"/>
-              </a:spcBef>
-              <a:buFont typeface="Arial" pitchFamily="34" charset="0"/>
-              <a:buChar char="•"/>
-              <a:defRPr sz="1800" kern="1200">
-                <a:solidFill>
-                  <a:schemeClr val="tx1"/>
-                </a:solidFill>
-                <a:latin typeface="+mn-lt"/>
-                <a:ea typeface="+mn-ea"/>
-                <a:cs typeface="+mn-cs"/>
-              </a:defRPr>
-            </a:lvl6pPr>
-            <a:lvl7pPr marL="2971800" indent="-228600" algn="l" defTabSz="914400" rtl="0" eaLnBrk="1" latinLnBrk="0" hangingPunct="1">
-              <a:spcBef>
-                <a:spcPct val="20000"/>
-              </a:spcBef>
-              <a:buFont typeface="Arial" pitchFamily="34" charset="0"/>
-              <a:buChar char="•"/>
-              <a:defRPr sz="1800" kern="1200">
-                <a:solidFill>
-                  <a:schemeClr val="tx1"/>
-                </a:solidFill>
-                <a:latin typeface="+mn-lt"/>
-                <a:ea typeface="+mn-ea"/>
-                <a:cs typeface="+mn-cs"/>
-              </a:defRPr>
-            </a:lvl7pPr>
-            <a:lvl8pPr marL="3429000" indent="-228600" algn="l" defTabSz="914400" rtl="0" eaLnBrk="1" latinLnBrk="0" hangingPunct="1">
-              <a:spcBef>
-                <a:spcPct val="20000"/>
-              </a:spcBef>
-              <a:buFont typeface="Arial" pitchFamily="34" charset="0"/>
-              <a:buChar char="•"/>
-              <a:defRPr sz="1800" kern="1200">
-                <a:solidFill>
-                  <a:schemeClr val="tx1"/>
-                </a:solidFill>
-                <a:latin typeface="+mn-lt"/>
-                <a:ea typeface="+mn-ea"/>
-                <a:cs typeface="+mn-cs"/>
-              </a:defRPr>
-            </a:lvl8pPr>
-            <a:lvl9pPr marL="3886200" indent="-228600" algn="l" defTabSz="914400" rtl="0" eaLnBrk="1" latinLnBrk="0" hangingPunct="1">
-              <a:spcBef>
-                <a:spcPct val="20000"/>
-              </a:spcBef>
-              <a:buFont typeface="Arial" pitchFamily="34" charset="0"/>
-              <a:buChar char="•"/>
-              <a:defRPr sz="1800" kern="1200">
-                <a:solidFill>
-                  <a:schemeClr val="tx1"/>
-                </a:solidFill>
-                <a:latin typeface="+mn-lt"/>
-                <a:ea typeface="+mn-ea"/>
-                <a:cs typeface="+mn-cs"/>
-              </a:defRPr>
-            </a:lvl9pPr>
-          </a:lstStyle>
-          <a:p>
-            <a:pPr lvl="1" defTabSz="850900" eaLnBrk="1" fontAlgn="auto" hangingPunct="1">
-              <a:lnSpc>
-                <a:spcPct val="110000"/>
-              </a:lnSpc>
-              <a:spcBef>
-                <a:spcPts val="600"/>
-              </a:spcBef>
-              <a:spcAft>
-                <a:spcPts val="0"/>
-              </a:spcAft>
-              <a:tabLst>
-                <a:tab pos="1168400" algn="l"/>
-              </a:tabLst>
-              <a:defRPr/>
-            </a:pPr>
-            <a:endParaRPr lang="en-US" sz="1100" dirty="0">
-              <a:solidFill>
-                <a:schemeClr val="tx1"/>
-              </a:solidFill>
-            </a:endParaRPr>
-          </a:p>
-          <a:p>
-            <a:pPr lvl="1" defTabSz="850900" eaLnBrk="1" fontAlgn="auto" hangingPunct="1">
-              <a:lnSpc>
-                <a:spcPct val="110000"/>
-              </a:lnSpc>
-              <a:spcBef>
-                <a:spcPts val="600"/>
-              </a:spcBef>
-              <a:spcAft>
-                <a:spcPts val="0"/>
-              </a:spcAft>
-              <a:tabLst>
-                <a:tab pos="1168400" algn="l"/>
-              </a:tabLst>
-              <a:defRPr/>
-            </a:pPr>
-            <a:endParaRPr lang="en-US" sz="1100" dirty="0">
-              <a:solidFill>
-                <a:schemeClr val="tx1"/>
-              </a:solidFill>
-            </a:endParaRPr>
-          </a:p>
-          <a:p>
-            <a:pPr marL="0" lvl="1" indent="0" defTabSz="850900" eaLnBrk="1" fontAlgn="auto" hangingPunct="1">
-              <a:lnSpc>
-                <a:spcPct val="110000"/>
-              </a:lnSpc>
-              <a:spcBef>
-                <a:spcPts val="600"/>
-              </a:spcBef>
-              <a:spcAft>
-                <a:spcPts val="0"/>
-              </a:spcAft>
-              <a:buNone/>
-              <a:tabLst>
-                <a:tab pos="1168400" algn="l"/>
-              </a:tabLst>
-              <a:defRPr/>
-            </a:pPr>
-            <a:endParaRPr lang="en-US" sz="1100" dirty="0">
-              <a:solidFill>
-                <a:schemeClr val="tx1"/>
-              </a:solidFill>
-            </a:endParaRPr>
-          </a:p>
-        </p:txBody>
-      </p:sp>
       <p:sp>
         <p:nvSpPr>
           <p:cNvPr id="21" name="Rectangle 6">
@@ -16467,14 +16080,14 @@
             </a:ln>
             <a:extLst>
               <a:ext uri="{909E8E84-426E-40dd-AFC4-6F175D3DCCD1}">
-                <a14:hiddenFill xmlns:a14="http://schemas.microsoft.com/office/drawing/2010/main" xmlns="">
+                <a14:hiddenFill xmlns="" xmlns:a14="http://schemas.microsoft.com/office/drawing/2010/main">
                   <a:solidFill>
                     <a:srgbClr val="FFFFFF"/>
                   </a:solidFill>
                 </a14:hiddenFill>
               </a:ext>
               <a:ext uri="{91240B29-F687-4f45-9708-019B960494DF}">
-                <a14:hiddenLine xmlns:a14="http://schemas.microsoft.com/office/drawing/2010/main" xmlns="" w="9525">
+                <a14:hiddenLine xmlns="" xmlns:a14="http://schemas.microsoft.com/office/drawing/2010/main" w="9525">
                   <a:solidFill>
                     <a:srgbClr val="000000"/>
                   </a:solidFill>
@@ -16769,14 +16382,14 @@
             </a:ln>
             <a:extLst>
               <a:ext uri="{909E8E84-426E-40dd-AFC4-6F175D3DCCD1}">
-                <a14:hiddenFill xmlns:a14="http://schemas.microsoft.com/office/drawing/2010/main" xmlns="">
+                <a14:hiddenFill xmlns="" xmlns:a14="http://schemas.microsoft.com/office/drawing/2010/main">
                   <a:solidFill>
                     <a:srgbClr val="FFFFFF"/>
                   </a:solidFill>
                 </a14:hiddenFill>
               </a:ext>
               <a:ext uri="{91240B29-F687-4f45-9708-019B960494DF}">
-                <a14:hiddenLine xmlns:a14="http://schemas.microsoft.com/office/drawing/2010/main" xmlns="" w="9525">
+                <a14:hiddenLine xmlns="" xmlns:a14="http://schemas.microsoft.com/office/drawing/2010/main" w="9525">
                   <a:solidFill>
                     <a:srgbClr val="000000"/>
                   </a:solidFill>
@@ -17088,7 +16701,7 @@
             </a:ln>
             <a:extLst>
               <a:ext uri="{91240B29-F687-4f45-9708-019B960494DF}">
-                <a14:hiddenLine xmlns:a14="http://schemas.microsoft.com/office/drawing/2010/main" xmlns="" w="9525">
+                <a14:hiddenLine xmlns="" xmlns:a14="http://schemas.microsoft.com/office/drawing/2010/main" w="9525">
                   <a:solidFill>
                     <a:srgbClr val="000000"/>
                   </a:solidFill>
@@ -17261,14 +16874,14 @@
             </a:ln>
             <a:extLst>
               <a:ext uri="{909E8E84-426E-40dd-AFC4-6F175D3DCCD1}">
-                <a14:hiddenFill xmlns:a14="http://schemas.microsoft.com/office/drawing/2010/main" xmlns="">
+                <a14:hiddenFill xmlns="" xmlns:a14="http://schemas.microsoft.com/office/drawing/2010/main">
                   <a:solidFill>
                     <a:srgbClr val="FFFFFF"/>
                   </a:solidFill>
                 </a14:hiddenFill>
               </a:ext>
               <a:ext uri="{91240B29-F687-4f45-9708-019B960494DF}">
-                <a14:hiddenLine xmlns:a14="http://schemas.microsoft.com/office/drawing/2010/main" xmlns="" w="9525">
+                <a14:hiddenLine xmlns="" xmlns:a14="http://schemas.microsoft.com/office/drawing/2010/main" w="9525">
                   <a:solidFill>
                     <a:srgbClr val="000000"/>
                   </a:solidFill>
@@ -17507,7 +17120,7 @@
             </a:ln>
             <a:extLst>
               <a:ext uri="{91240B29-F687-4f45-9708-019B960494DF}">
-                <a14:hiddenLine xmlns:a14="http://schemas.microsoft.com/office/drawing/2010/main" xmlns="" w="9525">
+                <a14:hiddenLine xmlns="" xmlns:a14="http://schemas.microsoft.com/office/drawing/2010/main" w="9525">
                   <a:solidFill>
                     <a:srgbClr val="000000"/>
                   </a:solidFill>
@@ -17844,14 +17457,14 @@
             </a:ln>
             <a:extLst>
               <a:ext uri="{909E8E84-426E-40dd-AFC4-6F175D3DCCD1}">
-                <a14:hiddenFill xmlns:a14="http://schemas.microsoft.com/office/drawing/2010/main" xmlns="">
+                <a14:hiddenFill xmlns="" xmlns:a14="http://schemas.microsoft.com/office/drawing/2010/main">
                   <a:solidFill>
                     <a:srgbClr val="FFFFFF"/>
                   </a:solidFill>
                 </a14:hiddenFill>
               </a:ext>
               <a:ext uri="{91240B29-F687-4f45-9708-019B960494DF}">
-                <a14:hiddenLine xmlns:a14="http://schemas.microsoft.com/office/drawing/2010/main" xmlns="" w="9525">
+                <a14:hiddenLine xmlns="" xmlns:a14="http://schemas.microsoft.com/office/drawing/2010/main" w="9525">
                   <a:solidFill>
                     <a:srgbClr val="000000"/>
                   </a:solidFill>
@@ -18052,7 +17665,7 @@
               <a:r>
                 <a:rPr lang="en-US" sz="1300" b="1" dirty="0">
                   <a:solidFill>
-                    <a:schemeClr val="tx1"/>
+                    <a:schemeClr val="accent6"/>
                   </a:solidFill>
                 </a:rPr>
                 <a:t>Feb 16		Guatemala</a:t>
@@ -18273,6 +17886,190 @@
           </p:txBody>
         </p:sp>
       </p:grpSp>
+      <p:sp>
+        <p:nvSpPr>
+          <p:cNvPr id="23" name="TextBox 1">
+            <a:extLst>
+              <a:ext uri="{FF2B5EF4-FFF2-40B4-BE49-F238E27FC236}">
+                <a16:creationId xmlns:a16="http://schemas.microsoft.com/office/drawing/2014/main" id="{BE17FC71-EAB1-4660-9D8C-AA67131DC1AA}"/>
+              </a:ext>
+            </a:extLst>
+          </p:cNvPr>
+          <p:cNvSpPr txBox="1">
+            <a:spLocks noChangeArrowheads="1"/>
+          </p:cNvSpPr>
+          <p:nvPr/>
+        </p:nvSpPr>
+        <p:spPr bwMode="auto">
+          <a:xfrm>
+            <a:off x="1123203" y="5338633"/>
+            <a:ext cx="7570453" cy="523220"/>
+          </a:xfrm>
+          <a:prstGeom prst="rect">
+            <a:avLst/>
+          </a:prstGeom>
+          <a:noFill/>
+          <a:ln>
+            <a:noFill/>
+          </a:ln>
+          <a:extLst>
+            <a:ext uri="{909E8E84-426E-40dd-AFC4-6F175D3DCCD1}">
+              <a14:hiddenFill xmlns="" xmlns:a14="http://schemas.microsoft.com/office/drawing/2010/main">
+                <a:solidFill>
+                  <a:srgbClr val="FFFFFF"/>
+                </a:solidFill>
+              </a14:hiddenFill>
+            </a:ext>
+            <a:ext uri="{91240B29-F687-4f45-9708-019B960494DF}">
+              <a14:hiddenLine xmlns="" xmlns:a14="http://schemas.microsoft.com/office/drawing/2010/main" w="9525">
+                <a:solidFill>
+                  <a:srgbClr val="000000"/>
+                </a:solidFill>
+                <a:miter lim="800000"/>
+                <a:headEnd/>
+                <a:tailEnd/>
+              </a14:hiddenLine>
+            </a:ext>
+          </a:extLst>
+        </p:spPr>
+        <p:txBody>
+          <a:bodyPr wrap="square">
+            <a:spAutoFit/>
+          </a:bodyPr>
+          <a:lstStyle>
+            <a:lvl1pPr>
+              <a:defRPr>
+                <a:solidFill>
+                  <a:schemeClr val="tx1"/>
+                </a:solidFill>
+                <a:latin typeface="Segoe UI" panose="020B0502040204020203" pitchFamily="34" charset="0"/>
+                <a:cs typeface="Arial" panose="020B0604020202020204" pitchFamily="34" charset="0"/>
+              </a:defRPr>
+            </a:lvl1pPr>
+            <a:lvl2pPr marL="742950" indent="-285750">
+              <a:defRPr>
+                <a:solidFill>
+                  <a:schemeClr val="tx1"/>
+                </a:solidFill>
+                <a:latin typeface="Segoe UI" panose="020B0502040204020203" pitchFamily="34" charset="0"/>
+                <a:cs typeface="Arial" panose="020B0604020202020204" pitchFamily="34" charset="0"/>
+              </a:defRPr>
+            </a:lvl2pPr>
+            <a:lvl3pPr marL="1143000" indent="-228600">
+              <a:defRPr>
+                <a:solidFill>
+                  <a:schemeClr val="tx1"/>
+                </a:solidFill>
+                <a:latin typeface="Segoe UI" panose="020B0502040204020203" pitchFamily="34" charset="0"/>
+                <a:cs typeface="Arial" panose="020B0604020202020204" pitchFamily="34" charset="0"/>
+              </a:defRPr>
+            </a:lvl3pPr>
+            <a:lvl4pPr marL="1600200" indent="-228600">
+              <a:defRPr>
+                <a:solidFill>
+                  <a:schemeClr val="tx1"/>
+                </a:solidFill>
+                <a:latin typeface="Segoe UI" panose="020B0502040204020203" pitchFamily="34" charset="0"/>
+                <a:cs typeface="Arial" panose="020B0604020202020204" pitchFamily="34" charset="0"/>
+              </a:defRPr>
+            </a:lvl4pPr>
+            <a:lvl5pPr marL="2057400" indent="-228600">
+              <a:defRPr>
+                <a:solidFill>
+                  <a:schemeClr val="tx1"/>
+                </a:solidFill>
+                <a:latin typeface="Segoe UI" panose="020B0502040204020203" pitchFamily="34" charset="0"/>
+                <a:cs typeface="Arial" panose="020B0604020202020204" pitchFamily="34" charset="0"/>
+              </a:defRPr>
+            </a:lvl5pPr>
+            <a:lvl6pPr marL="2514600" indent="-228600" eaLnBrk="0" fontAlgn="base" hangingPunct="0">
+              <a:spcBef>
+                <a:spcPct val="0"/>
+              </a:spcBef>
+              <a:spcAft>
+                <a:spcPct val="0"/>
+              </a:spcAft>
+              <a:defRPr>
+                <a:solidFill>
+                  <a:schemeClr val="tx1"/>
+                </a:solidFill>
+                <a:latin typeface="Segoe UI" panose="020B0502040204020203" pitchFamily="34" charset="0"/>
+                <a:cs typeface="Arial" panose="020B0604020202020204" pitchFamily="34" charset="0"/>
+              </a:defRPr>
+            </a:lvl6pPr>
+            <a:lvl7pPr marL="2971800" indent="-228600" eaLnBrk="0" fontAlgn="base" hangingPunct="0">
+              <a:spcBef>
+                <a:spcPct val="0"/>
+              </a:spcBef>
+              <a:spcAft>
+                <a:spcPct val="0"/>
+              </a:spcAft>
+              <a:defRPr>
+                <a:solidFill>
+                  <a:schemeClr val="tx1"/>
+                </a:solidFill>
+                <a:latin typeface="Segoe UI" panose="020B0502040204020203" pitchFamily="34" charset="0"/>
+                <a:cs typeface="Arial" panose="020B0604020202020204" pitchFamily="34" charset="0"/>
+              </a:defRPr>
+            </a:lvl7pPr>
+            <a:lvl8pPr marL="3429000" indent="-228600" eaLnBrk="0" fontAlgn="base" hangingPunct="0">
+              <a:spcBef>
+                <a:spcPct val="0"/>
+              </a:spcBef>
+              <a:spcAft>
+                <a:spcPct val="0"/>
+              </a:spcAft>
+              <a:defRPr>
+                <a:solidFill>
+                  <a:schemeClr val="tx1"/>
+                </a:solidFill>
+                <a:latin typeface="Segoe UI" panose="020B0502040204020203" pitchFamily="34" charset="0"/>
+                <a:cs typeface="Arial" panose="020B0604020202020204" pitchFamily="34" charset="0"/>
+              </a:defRPr>
+            </a:lvl8pPr>
+            <a:lvl9pPr marL="3886200" indent="-228600" eaLnBrk="0" fontAlgn="base" hangingPunct="0">
+              <a:spcBef>
+                <a:spcPct val="0"/>
+              </a:spcBef>
+              <a:spcAft>
+                <a:spcPct val="0"/>
+              </a:spcAft>
+              <a:defRPr>
+                <a:solidFill>
+                  <a:schemeClr val="tx1"/>
+                </a:solidFill>
+                <a:latin typeface="Segoe UI" panose="020B0502040204020203" pitchFamily="34" charset="0"/>
+                <a:cs typeface="Arial" panose="020B0604020202020204" pitchFamily="34" charset="0"/>
+              </a:defRPr>
+            </a:lvl9pPr>
+          </a:lstStyle>
+          <a:p>
+            <a:pPr eaLnBrk="1" hangingPunct="1"/>
+            <a:r>
+              <a:rPr lang="en-US" sz="2800" b="1" dirty="0">
+                <a:latin typeface="+mn-lt"/>
+                <a:ea typeface="Segoe"/>
+                <a:cs typeface="Segoe"/>
+              </a:rPr>
+              <a:t>Register in Guatemala’s SQL Saturday </a:t>
+            </a:r>
+            <a:r>
+              <a:rPr lang="en-US" sz="2800" b="1" dirty="0">
+                <a:latin typeface="+mn-lt"/>
+                <a:ea typeface="Segoe"/>
+                <a:cs typeface="Segoe"/>
+                <a:hlinkClick r:id="rId5"/>
+              </a:rPr>
+              <a:t>HERE</a:t>
+            </a:r>
+            <a:endParaRPr lang="en-US" sz="2800" b="1" dirty="0">
+              <a:latin typeface="+mn-lt"/>
+              <a:ea typeface="Segoe"/>
+              <a:cs typeface="Segoe"/>
+            </a:endParaRPr>
+          </a:p>
+        </p:txBody>
+      </p:sp>
     </p:spTree>
     <p:extLst>
       <p:ext uri="{BB962C8B-B14F-4D97-AF65-F5344CB8AC3E}">
@@ -19379,215 +19176,6 @@
       </p:grpSpPr>
       <p:sp>
         <p:nvSpPr>
-          <p:cNvPr id="17" name="TextBox 16">
-            <a:extLst>
-              <a:ext uri="{FF2B5EF4-FFF2-40B4-BE49-F238E27FC236}">
-                <a16:creationId xmlns:a16="http://schemas.microsoft.com/office/drawing/2014/main" id="{B7CEF710-74B7-8440-A204-6611BACF8AED}"/>
-              </a:ext>
-            </a:extLst>
-          </p:cNvPr>
-          <p:cNvSpPr txBox="1"/>
-          <p:nvPr/>
-        </p:nvSpPr>
-        <p:spPr>
-          <a:xfrm>
-            <a:off x="1062040" y="650372"/>
-            <a:ext cx="10508428" cy="5078313"/>
-          </a:xfrm>
-          <a:prstGeom prst="rect">
-            <a:avLst/>
-          </a:prstGeom>
-          <a:noFill/>
-        </p:spPr>
-        <p:txBody>
-          <a:bodyPr wrap="square" rtlCol="0">
-            <a:spAutoFit/>
-          </a:bodyPr>
-          <a:lstStyle/>
-          <a:p>
-            <a:pPr marL="285750" indent="-285750" algn="just">
-              <a:buFont typeface="Arial" panose="020B0604020202020204" pitchFamily="34" charset="0"/>
-              <a:buChar char="•"/>
-            </a:pPr>
-            <a:endParaRPr lang="en-US" sz="2200" dirty="0">
-              <a:solidFill>
-                <a:schemeClr val="bg2">
-                  <a:lumMod val="50000"/>
-                </a:schemeClr>
-              </a:solidFill>
-            </a:endParaRPr>
-          </a:p>
-          <a:p>
-            <a:pPr marL="285750" indent="-285750" algn="just">
-              <a:buFont typeface="Arial" panose="020B0604020202020204" pitchFamily="34" charset="0"/>
-              <a:buChar char="•"/>
-            </a:pPr>
-            <a:endParaRPr lang="en-US" sz="2200" dirty="0">
-              <a:solidFill>
-                <a:schemeClr val="bg2">
-                  <a:lumMod val="50000"/>
-                </a:schemeClr>
-              </a:solidFill>
-            </a:endParaRPr>
-          </a:p>
-          <a:p>
-            <a:pPr marL="285750" indent="-285750" algn="just">
-              <a:buFont typeface="Arial" panose="020B0604020202020204" pitchFamily="34" charset="0"/>
-              <a:buChar char="•"/>
-            </a:pPr>
-            <a:endParaRPr lang="en-US" sz="2200" dirty="0">
-              <a:solidFill>
-                <a:schemeClr val="bg2">
-                  <a:lumMod val="50000"/>
-                </a:schemeClr>
-              </a:solidFill>
-            </a:endParaRPr>
-          </a:p>
-          <a:p>
-            <a:pPr marL="285750" indent="-285750" algn="just">
-              <a:buFont typeface="Arial" panose="020B0604020202020204" pitchFamily="34" charset="0"/>
-              <a:buChar char="•"/>
-            </a:pPr>
-            <a:endParaRPr lang="en-US" sz="2200" dirty="0">
-              <a:solidFill>
-                <a:schemeClr val="bg2">
-                  <a:lumMod val="50000"/>
-                </a:schemeClr>
-              </a:solidFill>
-            </a:endParaRPr>
-          </a:p>
-          <a:p>
-            <a:pPr algn="just"/>
-            <a:r>
-              <a:rPr lang="en-US" sz="2000" b="1" dirty="0">
-                <a:solidFill>
-                  <a:schemeClr val="bg2">
-                    <a:lumMod val="50000"/>
-                  </a:schemeClr>
-                </a:solidFill>
-              </a:rPr>
-              <a:t>SQL Server 2019 CTP 2.2 released on Dec 11</a:t>
-            </a:r>
-          </a:p>
-          <a:p>
-            <a:pPr algn="just"/>
-            <a:endParaRPr lang="en-US" sz="2000" b="1" dirty="0">
-              <a:solidFill>
-                <a:schemeClr val="bg2">
-                  <a:lumMod val="50000"/>
-                </a:schemeClr>
-              </a:solidFill>
-            </a:endParaRPr>
-          </a:p>
-          <a:p>
-            <a:pPr algn="just"/>
-            <a:r>
-              <a:rPr lang="en-US" sz="2000" dirty="0">
-                <a:solidFill>
-                  <a:schemeClr val="bg2">
-                    <a:lumMod val="50000"/>
-                  </a:schemeClr>
-                </a:solidFill>
-                <a:hlinkClick r:id="rId3"/>
-              </a:rPr>
-              <a:t>https://www.microsoft.com/en-us/sql-server/sql-server-2019</a:t>
-            </a:r>
-            <a:endParaRPr lang="en-US" sz="2000" dirty="0">
-              <a:solidFill>
-                <a:schemeClr val="bg2">
-                  <a:lumMod val="50000"/>
-                </a:schemeClr>
-              </a:solidFill>
-            </a:endParaRPr>
-          </a:p>
-          <a:p>
-            <a:pPr algn="just"/>
-            <a:endParaRPr lang="en-US" sz="2200" dirty="0">
-              <a:solidFill>
-                <a:schemeClr val="bg2">
-                  <a:lumMod val="50000"/>
-                </a:schemeClr>
-              </a:solidFill>
-            </a:endParaRPr>
-          </a:p>
-          <a:p>
-            <a:pPr algn="just"/>
-            <a:endParaRPr lang="en-US" sz="2200" dirty="0">
-              <a:solidFill>
-                <a:schemeClr val="bg2">
-                  <a:lumMod val="50000"/>
-                </a:schemeClr>
-              </a:solidFill>
-            </a:endParaRPr>
-          </a:p>
-          <a:p>
-            <a:pPr algn="just"/>
-            <a:r>
-              <a:rPr lang="en-US" sz="2200" dirty="0">
-                <a:solidFill>
-                  <a:schemeClr val="bg2">
-                    <a:lumMod val="50000"/>
-                  </a:schemeClr>
-                </a:solidFill>
-              </a:rPr>
-              <a:t>Some fixes were made, more info here:</a:t>
-            </a:r>
-          </a:p>
-          <a:p>
-            <a:pPr algn="just"/>
-            <a:endParaRPr lang="en-US" sz="2200" dirty="0">
-              <a:solidFill>
-                <a:schemeClr val="bg2">
-                  <a:lumMod val="50000"/>
-                </a:schemeClr>
-              </a:solidFill>
-            </a:endParaRPr>
-          </a:p>
-          <a:p>
-            <a:pPr algn="just"/>
-            <a:r>
-              <a:rPr lang="en-US" sz="2200" dirty="0">
-                <a:solidFill>
-                  <a:schemeClr val="bg2">
-                    <a:lumMod val="50000"/>
-                  </a:schemeClr>
-                </a:solidFill>
-                <a:hlinkClick r:id="rId4"/>
-              </a:rPr>
-              <a:t>https://docs.microsoft.com/en-us/sql/sql-server/sql-server-ver15-release-notes?view=sqlallproducts-allversions</a:t>
-            </a:r>
-            <a:endParaRPr lang="en-US" sz="2200" dirty="0">
-              <a:solidFill>
-                <a:schemeClr val="bg2">
-                  <a:lumMod val="50000"/>
-                </a:schemeClr>
-              </a:solidFill>
-            </a:endParaRPr>
-          </a:p>
-          <a:p>
-            <a:pPr algn="just"/>
-            <a:endParaRPr lang="en-US" sz="2200" dirty="0">
-              <a:solidFill>
-                <a:schemeClr val="bg2">
-                  <a:lumMod val="50000"/>
-                </a:schemeClr>
-              </a:solidFill>
-            </a:endParaRPr>
-          </a:p>
-          <a:p>
-            <a:pPr algn="just"/>
-            <a:endParaRPr lang="en-US" sz="2200" dirty="0">
-              <a:solidFill>
-                <a:schemeClr val="bg2">
-                  <a:lumMod val="50000"/>
-                </a:schemeClr>
-              </a:solidFill>
-            </a:endParaRPr>
-          </a:p>
-        </p:txBody>
-      </p:sp>
-      <p:sp>
-        <p:nvSpPr>
           <p:cNvPr id="28" name="Title 2">
             <a:extLst>
               <a:ext uri="{FF2B5EF4-FFF2-40B4-BE49-F238E27FC236}">
@@ -19619,12 +19207,125 @@
           </a:p>
         </p:txBody>
       </p:sp>
+      <p:sp>
+        <p:nvSpPr>
+          <p:cNvPr id="6" name="Content Placeholder 2">
+            <a:extLst>
+              <a:ext uri="{FF2B5EF4-FFF2-40B4-BE49-F238E27FC236}">
+                <a16:creationId xmlns:a16="http://schemas.microsoft.com/office/drawing/2014/main" id="{FA7BFFE1-5A76-4A3B-94AD-5DE0E2936190}"/>
+              </a:ext>
+            </a:extLst>
+          </p:cNvPr>
+          <p:cNvSpPr>
+            <a:spLocks noGrp="1"/>
+          </p:cNvSpPr>
+          <p:nvPr>
+            <p:ph idx="1"/>
+          </p:nvPr>
+        </p:nvSpPr>
+        <p:spPr>
+          <a:xfrm>
+            <a:off x="343539" y="1118295"/>
+            <a:ext cx="11226929" cy="5222072"/>
+          </a:xfrm>
+        </p:spPr>
+        <p:txBody>
+          <a:bodyPr>
+            <a:normAutofit lnSpcReduction="10000"/>
+          </a:bodyPr>
+          <a:lstStyle/>
+          <a:p>
+            <a:endParaRPr lang="en-US" b="1" dirty="0"/>
+          </a:p>
+          <a:p>
+            <a:r>
+              <a:rPr lang="en-US" b="1" dirty="0"/>
+              <a:t>GitHub free private repos </a:t>
+            </a:r>
+          </a:p>
+          <a:p>
+            <a:r>
+              <a:rPr lang="en-US" dirty="0"/>
+              <a:t>Developers can use GitHub for their private projects with up to three collaborators per repository for free.</a:t>
+            </a:r>
+          </a:p>
+          <a:p>
+            <a:r>
+              <a:rPr lang="en-US" dirty="0">
+                <a:hlinkClick r:id="rId3"/>
+              </a:rPr>
+              <a:t>Register</a:t>
+            </a:r>
+            <a:endParaRPr lang="en-US" dirty="0"/>
+          </a:p>
+          <a:p>
+            <a:r>
+              <a:rPr lang="en-US" dirty="0">
+                <a:hlinkClick r:id="rId4"/>
+              </a:rPr>
+              <a:t>More information</a:t>
+            </a:r>
+            <a:endParaRPr lang="en-US" dirty="0"/>
+          </a:p>
+          <a:p>
+            <a:endParaRPr lang="en-US" dirty="0"/>
+          </a:p>
+          <a:p>
+            <a:endParaRPr lang="en-US" dirty="0"/>
+          </a:p>
+          <a:p>
+            <a:r>
+              <a:rPr lang="en-US" b="1" dirty="0"/>
+              <a:t>Azure Data Studio 1.3.8 (January release)</a:t>
+            </a:r>
+          </a:p>
+          <a:p>
+            <a:pPr algn="just"/>
+            <a:r>
+              <a:rPr lang="en-US" dirty="0"/>
+              <a:t>Azure Data Studio is complementary to SQL Server Management Studio with experiences around query editing and data development, while SQL Server Management Studio still offers the broadest range of administrative functions, and remains the flagship tool for platform management tasks.</a:t>
+            </a:r>
+            <a:endParaRPr lang="en-US" b="1" dirty="0"/>
+          </a:p>
+          <a:p>
+            <a:r>
+              <a:rPr lang="en-US" dirty="0">
+                <a:hlinkClick r:id="rId5"/>
+              </a:rPr>
+              <a:t>Download link</a:t>
+            </a:r>
+            <a:endParaRPr lang="en-US" dirty="0"/>
+          </a:p>
+          <a:p>
+            <a:r>
+              <a:rPr lang="en-US" dirty="0">
+                <a:hlinkClick r:id="rId6"/>
+              </a:rPr>
+              <a:t>More information</a:t>
+            </a:r>
+            <a:endParaRPr lang="en-US" dirty="0"/>
+          </a:p>
+          <a:p>
+            <a:endParaRPr lang="en-US" dirty="0"/>
+          </a:p>
+          <a:p>
+            <a:pPr marL="342900" indent="-342900">
+              <a:buFont typeface="Arial" panose="020B0604020202020204" pitchFamily="34" charset="0"/>
+              <a:buChar char="•"/>
+            </a:pPr>
+            <a:endParaRPr lang="en-US" dirty="0"/>
+          </a:p>
+          <a:p>
+            <a:endParaRPr lang="en-US" dirty="0"/>
+          </a:p>
+        </p:txBody>
+      </p:sp>
       <p:pic>
         <p:nvPicPr>
-          <p:cNvPr id="5" name="Picture 4">
+          <p:cNvPr id="3" name="Picture 2">
             <a:extLst>
               <a:ext uri="{FF2B5EF4-FFF2-40B4-BE49-F238E27FC236}">
-                <a16:creationId xmlns:a16="http://schemas.microsoft.com/office/drawing/2014/main" id="{52A103CC-2454-4219-8E80-AFA0F10A9D8D}"/>
+                <a16:creationId xmlns:a16="http://schemas.microsoft.com/office/drawing/2014/main" id="{189AE93F-3792-41DE-95E6-19D2C15559EB}"/>
               </a:ext>
             </a:extLst>
           </p:cNvPr>
@@ -19634,15 +19335,45 @@
           <p:nvPr/>
         </p:nvPicPr>
         <p:blipFill>
-          <a:blip r:embed="rId5"/>
+          <a:blip r:embed="rId7"/>
           <a:stretch>
             <a:fillRect/>
           </a:stretch>
         </p:blipFill>
         <p:spPr>
           <a:xfrm>
-            <a:off x="621532" y="952348"/>
-            <a:ext cx="3039369" cy="753058"/>
+            <a:off x="9301400" y="2145683"/>
+            <a:ext cx="1529166" cy="1435717"/>
+          </a:xfrm>
+          <a:prstGeom prst="rect">
+            <a:avLst/>
+          </a:prstGeom>
+        </p:spPr>
+      </p:pic>
+      <p:pic>
+        <p:nvPicPr>
+          <p:cNvPr id="4" name="Picture 3">
+            <a:extLst>
+              <a:ext uri="{FF2B5EF4-FFF2-40B4-BE49-F238E27FC236}">
+                <a16:creationId xmlns:a16="http://schemas.microsoft.com/office/drawing/2014/main" id="{3882B4CB-35CD-42A4-A2C8-623E1629CF87}"/>
+              </a:ext>
+            </a:extLst>
+          </p:cNvPr>
+          <p:cNvPicPr>
+            <a:picLocks noChangeAspect="1"/>
+          </p:cNvPicPr>
+          <p:nvPr/>
+        </p:nvPicPr>
+        <p:blipFill>
+          <a:blip r:embed="rId8"/>
+          <a:stretch>
+            <a:fillRect/>
+          </a:stretch>
+        </p:blipFill>
+        <p:spPr>
+          <a:xfrm>
+            <a:off x="8089545" y="5134867"/>
+            <a:ext cx="3952875" cy="1209675"/>
           </a:xfrm>
           <a:prstGeom prst="rect">
             <a:avLst/>
@@ -19698,7 +19429,7 @@
         <p:spPr>
           <a:xfrm>
             <a:off x="343539" y="1118295"/>
-            <a:ext cx="10865237" cy="4621410"/>
+            <a:ext cx="10865237" cy="3448942"/>
           </a:xfrm>
         </p:spPr>
         <p:txBody>
@@ -19707,23 +19438,35 @@
           <a:p>
             <a:r>
               <a:rPr lang="en-US" b="1" dirty="0"/>
-              <a:t>SQL Server Management Studio 18.0 Preview 6</a:t>
-            </a:r>
+              <a:t>SQL Server Management Studio 17.9.1 goes GA (General Availability)</a:t>
+            </a:r>
+          </a:p>
+          <a:p>
             <a:r>
               <a:rPr lang="en-US" dirty="0"/>
-              <a:t> released on Dec 18</a:t>
-            </a:r>
-          </a:p>
-          <a:p>
-            <a:endParaRPr lang="en-US" dirty="0"/>
+              <a:t>SSMS is an integrated environment for managing any SQL infrastructure, from SQL Server to Azure SQL Database.</a:t>
+            </a:r>
+            <a:endParaRPr lang="en-US" b="1" dirty="0"/>
           </a:p>
           <a:p>
             <a:r>
               <a:rPr lang="en-US" dirty="0">
                 <a:hlinkClick r:id="rId2"/>
               </a:rPr>
-              <a:t>https://docs.microsoft.com/en-us/sql/ssms/download-sql-server-management-studio-ssms?view=sql-server-2017#ssms-180-preview-6</a:t>
-            </a:r>
+              <a:t>Download link</a:t>
+            </a:r>
+            <a:endParaRPr lang="en-US" dirty="0"/>
+          </a:p>
+          <a:p>
+            <a:r>
+              <a:rPr lang="en-US" dirty="0">
+                <a:hlinkClick r:id="rId3"/>
+              </a:rPr>
+              <a:t>More information</a:t>
+            </a:r>
+            <a:endParaRPr lang="en-US" dirty="0"/>
+          </a:p>
+          <a:p>
             <a:endParaRPr lang="en-US" dirty="0"/>
           </a:p>
           <a:p>
@@ -19734,40 +19477,24 @@
               <a:buFont typeface="Arial" panose="020B0604020202020204" pitchFamily="34" charset="0"/>
               <a:buChar char="•"/>
             </a:pPr>
-            <a:r>
-              <a:rPr lang="en-US" dirty="0"/>
-              <a:t>SQL Server 2019 new features improved</a:t>
-            </a:r>
+            <a:endParaRPr lang="en-US" dirty="0"/>
           </a:p>
           <a:p>
             <a:pPr marL="342900" indent="-342900">
               <a:buFont typeface="Arial" panose="020B0604020202020204" pitchFamily="34" charset="0"/>
               <a:buChar char="•"/>
             </a:pPr>
-            <a:r>
-              <a:rPr lang="en-US" dirty="0"/>
-              <a:t>Migrate to Azure wizard</a:t>
-            </a:r>
+            <a:endParaRPr lang="en-US" dirty="0"/>
           </a:p>
           <a:p>
             <a:pPr marL="342900" indent="-342900">
               <a:buFont typeface="Arial" panose="020B0604020202020204" pitchFamily="34" charset="0"/>
               <a:buChar char="•"/>
             </a:pPr>
-            <a:r>
-              <a:rPr lang="en-US" dirty="0"/>
-              <a:t>Legacy SSIS support (DTS packages) have been removed on this version</a:t>
-            </a:r>
-          </a:p>
-          <a:p>
-            <a:pPr marL="342900" indent="-342900">
-              <a:buFont typeface="Arial" panose="020B0604020202020204" pitchFamily="34" charset="0"/>
-              <a:buChar char="•"/>
-            </a:pPr>
-            <a:r>
-              <a:rPr lang="en-US" dirty="0"/>
-              <a:t>Bug fixes</a:t>
-            </a:r>
+            <a:endParaRPr lang="en-US" dirty="0"/>
+          </a:p>
+          <a:p>
+            <a:endParaRPr lang="en-US" dirty="0"/>
           </a:p>
         </p:txBody>
       </p:sp>
@@ -19786,7 +19513,7 @@
           <p:nvPr/>
         </p:nvPicPr>
         <p:blipFill>
-          <a:blip r:embed="rId3">
+          <a:blip r:embed="rId4">
             <a:extLst>
               <a:ext uri="{28A0092B-C50C-407E-A947-70E740481C1C}">
                 <a14:useLocalDpi xmlns:a14="http://schemas.microsoft.com/office/drawing/2010/main" val="0"/>
@@ -19799,8 +19526,38 @@
         </p:blipFill>
         <p:spPr>
           <a:xfrm>
-            <a:off x="9575370" y="4347148"/>
+            <a:off x="9173591" y="2290762"/>
             <a:ext cx="1633405" cy="1670194"/>
+          </a:xfrm>
+          <a:prstGeom prst="rect">
+            <a:avLst/>
+          </a:prstGeom>
+        </p:spPr>
+      </p:pic>
+      <p:pic>
+        <p:nvPicPr>
+          <p:cNvPr id="2" name="Picture 1">
+            <a:extLst>
+              <a:ext uri="{FF2B5EF4-FFF2-40B4-BE49-F238E27FC236}">
+                <a16:creationId xmlns:a16="http://schemas.microsoft.com/office/drawing/2014/main" id="{DD1145F5-9D92-4BB7-BA84-B538B710F299}"/>
+              </a:ext>
+            </a:extLst>
+          </p:cNvPr>
+          <p:cNvPicPr>
+            <a:picLocks noChangeAspect="1"/>
+          </p:cNvPicPr>
+          <p:nvPr/>
+        </p:nvPicPr>
+        <p:blipFill>
+          <a:blip r:embed="rId5"/>
+          <a:stretch>
+            <a:fillRect/>
+          </a:stretch>
+        </p:blipFill>
+        <p:spPr>
+          <a:xfrm>
+            <a:off x="343539" y="3125859"/>
+            <a:ext cx="6905625" cy="2276475"/>
           </a:xfrm>
           <a:prstGeom prst="rect">
             <a:avLst/>

--- a/20190123/PASS-GTSSUG-20190123.pptx
+++ b/20190123/PASS-GTSSUG-20190123.pptx
@@ -10118,14 +10118,14 @@
           </a:ln>
           <a:extLst>
             <a:ext uri="{909E8E84-426E-40dd-AFC4-6F175D3DCCD1}">
-              <a14:hiddenFill xmlns="" xmlns:a14="http://schemas.microsoft.com/office/drawing/2010/main">
+              <a14:hiddenFill xmlns:a14="http://schemas.microsoft.com/office/drawing/2010/main" xmlns="">
                 <a:solidFill>
                   <a:srgbClr val="FFFFFF"/>
                 </a:solidFill>
               </a14:hiddenFill>
             </a:ext>
             <a:ext uri="{91240B29-F687-4f45-9708-019B960494DF}">
-              <a14:hiddenLine xmlns="" xmlns:a14="http://schemas.microsoft.com/office/drawing/2010/main" w="9525">
+              <a14:hiddenLine xmlns:a14="http://schemas.microsoft.com/office/drawing/2010/main" xmlns="" w="9525">
                 <a:solidFill>
                   <a:srgbClr val="000000"/>
                 </a:solidFill>
@@ -10883,6 +10883,42 @@
           </a:p>
         </p:txBody>
       </p:sp>
+      <p:pic>
+        <p:nvPicPr>
+          <p:cNvPr id="5" name="Picture 4">
+            <a:extLst>
+              <a:ext uri="{FF2B5EF4-FFF2-40B4-BE49-F238E27FC236}">
+                <a16:creationId xmlns:a16="http://schemas.microsoft.com/office/drawing/2014/main" id="{826A038E-4259-467F-8792-644B464AA2EB}"/>
+              </a:ext>
+            </a:extLst>
+          </p:cNvPr>
+          <p:cNvPicPr>
+            <a:picLocks noChangeAspect="1"/>
+          </p:cNvPicPr>
+          <p:nvPr/>
+        </p:nvPicPr>
+        <p:blipFill>
+          <a:blip r:embed="rId3">
+            <a:extLst>
+              <a:ext uri="{28A0092B-C50C-407E-A947-70E740481C1C}">
+                <a14:useLocalDpi xmlns:a14="http://schemas.microsoft.com/office/drawing/2010/main" val="0"/>
+              </a:ext>
+            </a:extLst>
+          </a:blip>
+          <a:stretch>
+            <a:fillRect/>
+          </a:stretch>
+        </p:blipFill>
+        <p:spPr>
+          <a:xfrm>
+            <a:off x="4192732" y="2102691"/>
+            <a:ext cx="3501736" cy="3501736"/>
+          </a:xfrm>
+          <a:prstGeom prst="rect">
+            <a:avLst/>
+          </a:prstGeom>
+        </p:spPr>
+      </p:pic>
     </p:spTree>
     <p:extLst>
       <p:ext uri="{BB962C8B-B14F-4D97-AF65-F5344CB8AC3E}">
@@ -16080,14 +16116,14 @@
             </a:ln>
             <a:extLst>
               <a:ext uri="{909E8E84-426E-40dd-AFC4-6F175D3DCCD1}">
-                <a14:hiddenFill xmlns="" xmlns:a14="http://schemas.microsoft.com/office/drawing/2010/main">
+                <a14:hiddenFill xmlns:a14="http://schemas.microsoft.com/office/drawing/2010/main" xmlns="">
                   <a:solidFill>
                     <a:srgbClr val="FFFFFF"/>
                   </a:solidFill>
                 </a14:hiddenFill>
               </a:ext>
               <a:ext uri="{91240B29-F687-4f45-9708-019B960494DF}">
-                <a14:hiddenLine xmlns="" xmlns:a14="http://schemas.microsoft.com/office/drawing/2010/main" w="9525">
+                <a14:hiddenLine xmlns:a14="http://schemas.microsoft.com/office/drawing/2010/main" xmlns="" w="9525">
                   <a:solidFill>
                     <a:srgbClr val="000000"/>
                   </a:solidFill>
@@ -16382,14 +16418,14 @@
             </a:ln>
             <a:extLst>
               <a:ext uri="{909E8E84-426E-40dd-AFC4-6F175D3DCCD1}">
-                <a14:hiddenFill xmlns="" xmlns:a14="http://schemas.microsoft.com/office/drawing/2010/main">
+                <a14:hiddenFill xmlns:a14="http://schemas.microsoft.com/office/drawing/2010/main" xmlns="">
                   <a:solidFill>
                     <a:srgbClr val="FFFFFF"/>
                   </a:solidFill>
                 </a14:hiddenFill>
               </a:ext>
               <a:ext uri="{91240B29-F687-4f45-9708-019B960494DF}">
-                <a14:hiddenLine xmlns="" xmlns:a14="http://schemas.microsoft.com/office/drawing/2010/main" w="9525">
+                <a14:hiddenLine xmlns:a14="http://schemas.microsoft.com/office/drawing/2010/main" xmlns="" w="9525">
                   <a:solidFill>
                     <a:srgbClr val="000000"/>
                   </a:solidFill>
@@ -16701,7 +16737,7 @@
             </a:ln>
             <a:extLst>
               <a:ext uri="{91240B29-F687-4f45-9708-019B960494DF}">
-                <a14:hiddenLine xmlns="" xmlns:a14="http://schemas.microsoft.com/office/drawing/2010/main" w="9525">
+                <a14:hiddenLine xmlns:a14="http://schemas.microsoft.com/office/drawing/2010/main" xmlns="" w="9525">
                   <a:solidFill>
                     <a:srgbClr val="000000"/>
                   </a:solidFill>
@@ -16874,14 +16910,14 @@
             </a:ln>
             <a:extLst>
               <a:ext uri="{909E8E84-426E-40dd-AFC4-6F175D3DCCD1}">
-                <a14:hiddenFill xmlns="" xmlns:a14="http://schemas.microsoft.com/office/drawing/2010/main">
+                <a14:hiddenFill xmlns:a14="http://schemas.microsoft.com/office/drawing/2010/main" xmlns="">
                   <a:solidFill>
                     <a:srgbClr val="FFFFFF"/>
                   </a:solidFill>
                 </a14:hiddenFill>
               </a:ext>
               <a:ext uri="{91240B29-F687-4f45-9708-019B960494DF}">
-                <a14:hiddenLine xmlns="" xmlns:a14="http://schemas.microsoft.com/office/drawing/2010/main" w="9525">
+                <a14:hiddenLine xmlns:a14="http://schemas.microsoft.com/office/drawing/2010/main" xmlns="" w="9525">
                   <a:solidFill>
                     <a:srgbClr val="000000"/>
                   </a:solidFill>
@@ -17120,7 +17156,7 @@
             </a:ln>
             <a:extLst>
               <a:ext uri="{91240B29-F687-4f45-9708-019B960494DF}">
-                <a14:hiddenLine xmlns="" xmlns:a14="http://schemas.microsoft.com/office/drawing/2010/main" w="9525">
+                <a14:hiddenLine xmlns:a14="http://schemas.microsoft.com/office/drawing/2010/main" xmlns="" w="9525">
                   <a:solidFill>
                     <a:srgbClr val="000000"/>
                   </a:solidFill>
@@ -17457,14 +17493,14 @@
             </a:ln>
             <a:extLst>
               <a:ext uri="{909E8E84-426E-40dd-AFC4-6F175D3DCCD1}">
-                <a14:hiddenFill xmlns="" xmlns:a14="http://schemas.microsoft.com/office/drawing/2010/main">
+                <a14:hiddenFill xmlns:a14="http://schemas.microsoft.com/office/drawing/2010/main" xmlns="">
                   <a:solidFill>
                     <a:srgbClr val="FFFFFF"/>
                   </a:solidFill>
                 </a14:hiddenFill>
               </a:ext>
               <a:ext uri="{91240B29-F687-4f45-9708-019B960494DF}">
-                <a14:hiddenLine xmlns="" xmlns:a14="http://schemas.microsoft.com/office/drawing/2010/main" w="9525">
+                <a14:hiddenLine xmlns:a14="http://schemas.microsoft.com/office/drawing/2010/main" xmlns="" w="9525">
                   <a:solidFill>
                     <a:srgbClr val="000000"/>
                   </a:solidFill>
@@ -17914,14 +17950,14 @@
           </a:ln>
           <a:extLst>
             <a:ext uri="{909E8E84-426E-40dd-AFC4-6F175D3DCCD1}">
-              <a14:hiddenFill xmlns="" xmlns:a14="http://schemas.microsoft.com/office/drawing/2010/main">
+              <a14:hiddenFill xmlns:a14="http://schemas.microsoft.com/office/drawing/2010/main" xmlns="">
                 <a:solidFill>
                   <a:srgbClr val="FFFFFF"/>
                 </a:solidFill>
               </a14:hiddenFill>
             </a:ext>
             <a:ext uri="{91240B29-F687-4f45-9708-019B960494DF}">
-              <a14:hiddenLine xmlns="" xmlns:a14="http://schemas.microsoft.com/office/drawing/2010/main" w="9525">
+              <a14:hiddenLine xmlns:a14="http://schemas.microsoft.com/office/drawing/2010/main" xmlns="" w="9525">
                 <a:solidFill>
                   <a:srgbClr val="000000"/>
                 </a:solidFill>

--- a/20190123/PASS-GTSSUG-20190123.pptx
+++ b/20190123/PASS-GTSSUG-20190123.pptx
@@ -8,7 +8,7 @@
     <p:sldMasterId id="2147483695" r:id="rId4"/>
   </p:sldMasterIdLst>
   <p:notesMasterIdLst>
-    <p:notesMasterId r:id="rId23"/>
+    <p:notesMasterId r:id="rId24"/>
   </p:notesMasterIdLst>
   <p:sldIdLst>
     <p:sldId id="300" r:id="rId5"/>
@@ -19,16 +19,17 @@
     <p:sldId id="327" r:id="rId10"/>
     <p:sldId id="356" r:id="rId11"/>
     <p:sldId id="384" r:id="rId12"/>
-    <p:sldId id="389" r:id="rId13"/>
-    <p:sldId id="373" r:id="rId14"/>
-    <p:sldId id="388" r:id="rId15"/>
-    <p:sldId id="386" r:id="rId16"/>
-    <p:sldId id="387" r:id="rId17"/>
-    <p:sldId id="377" r:id="rId18"/>
-    <p:sldId id="357" r:id="rId19"/>
-    <p:sldId id="363" r:id="rId20"/>
-    <p:sldId id="367" r:id="rId21"/>
-    <p:sldId id="305" r:id="rId22"/>
+    <p:sldId id="390" r:id="rId13"/>
+    <p:sldId id="389" r:id="rId14"/>
+    <p:sldId id="373" r:id="rId15"/>
+    <p:sldId id="388" r:id="rId16"/>
+    <p:sldId id="386" r:id="rId17"/>
+    <p:sldId id="387" r:id="rId18"/>
+    <p:sldId id="377" r:id="rId19"/>
+    <p:sldId id="357" r:id="rId20"/>
+    <p:sldId id="363" r:id="rId21"/>
+    <p:sldId id="367" r:id="rId22"/>
+    <p:sldId id="305" r:id="rId23"/>
   </p:sldIdLst>
   <p:sldSz cx="12192000" cy="6858000"/>
   <p:notesSz cx="6858000" cy="9144000"/>
@@ -217,7 +218,7 @@
           <a:p>
             <a:fld id="{D7FE7AFA-B288-4772-BBF4-2A3B98CDEDAE}" type="datetimeFigureOut">
               <a:rPr lang="en-US" smtClean="0"/>
-              <a:t>1/22/2019</a:t>
+              <a:t>1/23/2019</a:t>
             </a:fld>
             <a:endParaRPr lang="en-US"/>
           </a:p>
@@ -819,7 +820,7 @@
           <a:p>
             <a:fld id="{8589DCAA-E612-4BC0-AA75-84621265B05F}" type="slidenum">
               <a:rPr lang="en-CA" smtClean="0"/>
-              <a:t>15</a:t>
+              <a:t>16</a:t>
             </a:fld>
             <a:endParaRPr lang="en-CA"/>
           </a:p>
@@ -903,7 +904,7 @@
           <a:p>
             <a:fld id="{8589DCAA-E612-4BC0-AA75-84621265B05F}" type="slidenum">
               <a:rPr lang="en-CA" smtClean="0"/>
-              <a:t>16</a:t>
+              <a:t>17</a:t>
             </a:fld>
             <a:endParaRPr lang="en-CA"/>
           </a:p>
@@ -2128,7 +2129,7 @@
           <a:p>
             <a:fld id="{25853183-E962-45DB-AED7-29BF3FE93141}" type="datetimeFigureOut">
               <a:rPr lang="en-US" smtClean="0"/>
-              <a:t>1/22/2019</a:t>
+              <a:t>1/23/2019</a:t>
             </a:fld>
             <a:endParaRPr lang="en-US"/>
           </a:p>
@@ -2292,7 +2293,7 @@
           <a:p>
             <a:fld id="{25853183-E962-45DB-AED7-29BF3FE93141}" type="datetimeFigureOut">
               <a:rPr lang="en-US" smtClean="0"/>
-              <a:t>1/22/2019</a:t>
+              <a:t>1/23/2019</a:t>
             </a:fld>
             <a:endParaRPr lang="en-US"/>
           </a:p>
@@ -2533,7 +2534,7 @@
           <a:p>
             <a:fld id="{25853183-E962-45DB-AED7-29BF3FE93141}" type="datetimeFigureOut">
               <a:rPr lang="en-US" smtClean="0"/>
-              <a:t>1/22/2019</a:t>
+              <a:t>1/23/2019</a:t>
             </a:fld>
             <a:endParaRPr lang="en-US"/>
           </a:p>
@@ -2930,7 +2931,7 @@
           <a:p>
             <a:fld id="{25853183-E962-45DB-AED7-29BF3FE93141}" type="datetimeFigureOut">
               <a:rPr lang="en-US" smtClean="0"/>
-              <a:t>1/22/2019</a:t>
+              <a:t>1/23/2019</a:t>
             </a:fld>
             <a:endParaRPr lang="en-US"/>
           </a:p>
@@ -3290,7 +3291,7 @@
           <a:p>
             <a:fld id="{25853183-E962-45DB-AED7-29BF3FE93141}" type="datetimeFigureOut">
               <a:rPr lang="en-US" smtClean="0"/>
-              <a:t>1/22/2019</a:t>
+              <a:t>1/23/2019</a:t>
             </a:fld>
             <a:endParaRPr lang="en-US"/>
           </a:p>
@@ -3403,7 +3404,7 @@
           <a:p>
             <a:fld id="{25853183-E962-45DB-AED7-29BF3FE93141}" type="datetimeFigureOut">
               <a:rPr lang="en-US" smtClean="0"/>
-              <a:t>1/22/2019</a:t>
+              <a:t>1/23/2019</a:t>
             </a:fld>
             <a:endParaRPr lang="en-US"/>
           </a:p>
@@ -3494,7 +3495,7 @@
           <a:p>
             <a:fld id="{25853183-E962-45DB-AED7-29BF3FE93141}" type="datetimeFigureOut">
               <a:rPr lang="en-US" smtClean="0"/>
-              <a:t>1/22/2019</a:t>
+              <a:t>1/23/2019</a:t>
             </a:fld>
             <a:endParaRPr lang="en-US"/>
           </a:p>
@@ -3765,7 +3766,7 @@
           <a:p>
             <a:fld id="{25853183-E962-45DB-AED7-29BF3FE93141}" type="datetimeFigureOut">
               <a:rPr lang="en-US" smtClean="0"/>
-              <a:t>1/22/2019</a:t>
+              <a:t>1/23/2019</a:t>
             </a:fld>
             <a:endParaRPr lang="en-US"/>
           </a:p>
@@ -4016,7 +4017,7 @@
           <a:p>
             <a:fld id="{25853183-E962-45DB-AED7-29BF3FE93141}" type="datetimeFigureOut">
               <a:rPr lang="en-US" smtClean="0"/>
-              <a:t>1/22/2019</a:t>
+              <a:t>1/23/2019</a:t>
             </a:fld>
             <a:endParaRPr lang="en-US"/>
           </a:p>
@@ -4180,7 +4181,7 @@
           <a:p>
             <a:fld id="{25853183-E962-45DB-AED7-29BF3FE93141}" type="datetimeFigureOut">
               <a:rPr lang="en-US" smtClean="0"/>
-              <a:t>1/22/2019</a:t>
+              <a:t>1/23/2019</a:t>
             </a:fld>
             <a:endParaRPr lang="en-US"/>
           </a:p>
@@ -4354,7 +4355,7 @@
           <a:p>
             <a:fld id="{25853183-E962-45DB-AED7-29BF3FE93141}" type="datetimeFigureOut">
               <a:rPr lang="en-US" smtClean="0"/>
-              <a:t>1/22/2019</a:t>
+              <a:t>1/23/2019</a:t>
             </a:fld>
             <a:endParaRPr lang="en-US"/>
           </a:p>
@@ -7874,7 +7875,7 @@
           <a:p>
             <a:fld id="{25853183-E962-45DB-AED7-29BF3FE93141}" type="datetimeFigureOut">
               <a:rPr lang="en-US" smtClean="0"/>
-              <a:t>1/22/2019</a:t>
+              <a:t>1/23/2019</a:t>
             </a:fld>
             <a:endParaRPr lang="en-US"/>
           </a:p>
@@ -8850,6 +8851,387 @@
           <a:chExt cx="0" cy="0"/>
         </a:xfrm>
       </p:grpSpPr>
+      <p:pic>
+        <p:nvPicPr>
+          <p:cNvPr id="5" name="Picture 4">
+            <a:extLst>
+              <a:ext uri="{FF2B5EF4-FFF2-40B4-BE49-F238E27FC236}">
+                <a16:creationId xmlns:a16="http://schemas.microsoft.com/office/drawing/2014/main" id="{438FEA95-A68F-489E-9F9A-797BC302D06F}"/>
+              </a:ext>
+            </a:extLst>
+          </p:cNvPr>
+          <p:cNvPicPr>
+            <a:picLocks noChangeAspect="1"/>
+          </p:cNvPicPr>
+          <p:nvPr/>
+        </p:nvPicPr>
+        <p:blipFill>
+          <a:blip r:embed="rId2">
+            <a:extLst>
+              <a:ext uri="{28A0092B-C50C-407E-A947-70E740481C1C}">
+                <a14:useLocalDpi xmlns:a14="http://schemas.microsoft.com/office/drawing/2010/main" val="0"/>
+              </a:ext>
+            </a:extLst>
+          </a:blip>
+          <a:stretch>
+            <a:fillRect/>
+          </a:stretch>
+        </p:blipFill>
+        <p:spPr>
+          <a:xfrm>
+            <a:off x="1148806" y="1934371"/>
+            <a:ext cx="2473118" cy="2473118"/>
+          </a:xfrm>
+          <a:prstGeom prst="rect">
+            <a:avLst/>
+          </a:prstGeom>
+          <a:solidFill>
+            <a:srgbClr val="FFFFFF">
+              <a:shade val="85000"/>
+            </a:srgbClr>
+          </a:solidFill>
+          <a:ln w="88900" cap="sq">
+            <a:solidFill>
+              <a:srgbClr val="FFFFFF"/>
+            </a:solidFill>
+            <a:miter lim="800000"/>
+          </a:ln>
+          <a:effectLst>
+            <a:outerShdw blurRad="55000" dist="18000" dir="5400000" algn="tl" rotWithShape="0">
+              <a:srgbClr val="000000">
+                <a:alpha val="40000"/>
+              </a:srgbClr>
+            </a:outerShdw>
+          </a:effectLst>
+          <a:scene3d>
+            <a:camera prst="orthographicFront"/>
+            <a:lightRig rig="twoPt" dir="t">
+              <a:rot lat="0" lon="0" rev="7200000"/>
+            </a:lightRig>
+          </a:scene3d>
+          <a:sp3d>
+            <a:bevelT w="25400" h="19050"/>
+            <a:contourClr>
+              <a:srgbClr val="FFFFFF"/>
+            </a:contourClr>
+          </a:sp3d>
+        </p:spPr>
+      </p:pic>
+      <p:sp>
+        <p:nvSpPr>
+          <p:cNvPr id="2" name="Rectangle 1">
+            <a:extLst>
+              <a:ext uri="{FF2B5EF4-FFF2-40B4-BE49-F238E27FC236}">
+                <a16:creationId xmlns:a16="http://schemas.microsoft.com/office/drawing/2014/main" id="{FB25F579-87CA-4B75-804F-CA6793A06D3C}"/>
+              </a:ext>
+            </a:extLst>
+          </p:cNvPr>
+          <p:cNvSpPr/>
+          <p:nvPr/>
+        </p:nvSpPr>
+        <p:spPr>
+          <a:xfrm>
+            <a:off x="983914" y="4665050"/>
+            <a:ext cx="9636668" cy="1754326"/>
+          </a:xfrm>
+          <a:prstGeom prst="rect">
+            <a:avLst/>
+          </a:prstGeom>
+        </p:spPr>
+        <p:txBody>
+          <a:bodyPr wrap="square">
+            <a:spAutoFit/>
+          </a:bodyPr>
+          <a:lstStyle/>
+          <a:p>
+            <a:pPr algn="just"/>
+            <a:r>
+              <a:rPr lang="en-US" dirty="0"/>
+              <a:t>Database Administrator and Technology enthusiast with 13 years of working experience in Technology, nine of which have been on Database Administration, worked with International Banks and big US Insurance companies.</a:t>
+            </a:r>
+          </a:p>
+          <a:p>
+            <a:pPr algn="just"/>
+            <a:endParaRPr lang="en-US" dirty="0"/>
+          </a:p>
+          <a:p>
+            <a:pPr algn="just"/>
+            <a:r>
+              <a:rPr lang="en-US" dirty="0"/>
+              <a:t>Having being assigned to SQL Server (Windows), Oracle (Windows, Linux, AIX, HPUX) and recently PostgreSQL and MySQL projects.</a:t>
+            </a:r>
+            <a:endParaRPr lang="en-US" b="1" dirty="0"/>
+          </a:p>
+        </p:txBody>
+      </p:sp>
+      <p:sp>
+        <p:nvSpPr>
+          <p:cNvPr id="6" name="Rectangle 5">
+            <a:extLst>
+              <a:ext uri="{FF2B5EF4-FFF2-40B4-BE49-F238E27FC236}">
+                <a16:creationId xmlns:a16="http://schemas.microsoft.com/office/drawing/2014/main" id="{FFA56391-84A0-4647-A160-9CDB49B69937}"/>
+              </a:ext>
+            </a:extLst>
+          </p:cNvPr>
+          <p:cNvSpPr/>
+          <p:nvPr/>
+        </p:nvSpPr>
+        <p:spPr>
+          <a:xfrm>
+            <a:off x="5701603" y="2564029"/>
+            <a:ext cx="1881525" cy="400110"/>
+          </a:xfrm>
+          <a:prstGeom prst="rect">
+            <a:avLst/>
+          </a:prstGeom>
+        </p:spPr>
+        <p:txBody>
+          <a:bodyPr wrap="square">
+            <a:spAutoFit/>
+          </a:bodyPr>
+          <a:lstStyle/>
+          <a:p>
+            <a:r>
+              <a:rPr lang="en-US" sz="2000" b="1" dirty="0">
+                <a:hlinkClick r:id="rId3"/>
+              </a:rPr>
+              <a:t>@</a:t>
+            </a:r>
+            <a:r>
+              <a:rPr lang="en-US" sz="2000" b="1" dirty="0" err="1">
+                <a:hlinkClick r:id="rId3"/>
+              </a:rPr>
+              <a:t>omegagt</a:t>
+            </a:r>
+            <a:endParaRPr lang="en-US" sz="2000" b="1" dirty="0"/>
+          </a:p>
+        </p:txBody>
+      </p:sp>
+      <p:pic>
+        <p:nvPicPr>
+          <p:cNvPr id="7" name="Picture 8" descr="Image result for twitter logo">
+            <a:hlinkClick r:id="rId4"/>
+            <a:extLst>
+              <a:ext uri="{FF2B5EF4-FFF2-40B4-BE49-F238E27FC236}">
+                <a16:creationId xmlns:a16="http://schemas.microsoft.com/office/drawing/2014/main" id="{1577806C-B454-4291-B088-68D6A2E9C660}"/>
+              </a:ext>
+            </a:extLst>
+          </p:cNvPr>
+          <p:cNvPicPr>
+            <a:picLocks noChangeAspect="1" noChangeArrowheads="1"/>
+          </p:cNvPicPr>
+          <p:nvPr/>
+        </p:nvPicPr>
+        <p:blipFill>
+          <a:blip r:embed="rId5">
+            <a:extLst>
+              <a:ext uri="{28A0092B-C50C-407E-A947-70E740481C1C}">
+                <a14:useLocalDpi xmlns:a14="http://schemas.microsoft.com/office/drawing/2010/main" val="0"/>
+              </a:ext>
+            </a:extLst>
+          </a:blip>
+          <a:srcRect/>
+          <a:stretch>
+            <a:fillRect/>
+          </a:stretch>
+        </p:blipFill>
+        <p:spPr bwMode="auto">
+          <a:xfrm>
+            <a:off x="4516571" y="2330692"/>
+            <a:ext cx="1033065" cy="840238"/>
+          </a:xfrm>
+          <a:prstGeom prst="rect">
+            <a:avLst/>
+          </a:prstGeom>
+          <a:noFill/>
+          <a:extLst>
+            <a:ext uri="{909E8E84-426E-40DD-AFC4-6F175D3DCCD1}">
+              <a14:hiddenFill xmlns:a14="http://schemas.microsoft.com/office/drawing/2010/main">
+                <a:solidFill>
+                  <a:srgbClr val="FFFFFF"/>
+                </a:solidFill>
+              </a14:hiddenFill>
+            </a:ext>
+          </a:extLst>
+        </p:spPr>
+      </p:pic>
+      <p:sp>
+        <p:nvSpPr>
+          <p:cNvPr id="9" name="Title 1">
+            <a:extLst>
+              <a:ext uri="{FF2B5EF4-FFF2-40B4-BE49-F238E27FC236}">
+                <a16:creationId xmlns:a16="http://schemas.microsoft.com/office/drawing/2014/main" id="{89C8D911-DBB3-4134-995D-74CDA262ED85}"/>
+              </a:ext>
+            </a:extLst>
+          </p:cNvPr>
+          <p:cNvSpPr>
+            <a:spLocks noGrp="1"/>
+          </p:cNvSpPr>
+          <p:nvPr>
+            <p:ph type="title"/>
+          </p:nvPr>
+        </p:nvSpPr>
+        <p:spPr>
+          <a:xfrm>
+            <a:off x="609600" y="528596"/>
+            <a:ext cx="10972800" cy="685800"/>
+          </a:xfrm>
+        </p:spPr>
+        <p:txBody>
+          <a:bodyPr/>
+          <a:lstStyle/>
+          <a:p>
+            <a:r>
+              <a:rPr lang="en-US" b="1" dirty="0"/>
+              <a:t>Community news</a:t>
+            </a:r>
+          </a:p>
+        </p:txBody>
+      </p:sp>
+      <p:pic>
+        <p:nvPicPr>
+          <p:cNvPr id="11" name="Picture 10">
+            <a:extLst>
+              <a:ext uri="{FF2B5EF4-FFF2-40B4-BE49-F238E27FC236}">
+                <a16:creationId xmlns:a16="http://schemas.microsoft.com/office/drawing/2014/main" id="{79BE73D5-D067-4D24-9396-0BA9219F2E4C}"/>
+              </a:ext>
+            </a:extLst>
+          </p:cNvPr>
+          <p:cNvPicPr>
+            <a:picLocks noChangeAspect="1"/>
+          </p:cNvPicPr>
+          <p:nvPr/>
+        </p:nvPicPr>
+        <p:blipFill>
+          <a:blip r:embed="rId6">
+            <a:extLst>
+              <a:ext uri="{28A0092B-C50C-407E-A947-70E740481C1C}">
+                <a14:useLocalDpi xmlns:a14="http://schemas.microsoft.com/office/drawing/2010/main" val="0"/>
+              </a:ext>
+            </a:extLst>
+          </a:blip>
+          <a:stretch>
+            <a:fillRect/>
+          </a:stretch>
+        </p:blipFill>
+        <p:spPr>
+          <a:xfrm>
+            <a:off x="4516571" y="3428491"/>
+            <a:ext cx="840239" cy="840239"/>
+          </a:xfrm>
+          <a:prstGeom prst="rect">
+            <a:avLst/>
+          </a:prstGeom>
+        </p:spPr>
+      </p:pic>
+      <p:sp>
+        <p:nvSpPr>
+          <p:cNvPr id="12" name="Rectangle 11">
+            <a:extLst>
+              <a:ext uri="{FF2B5EF4-FFF2-40B4-BE49-F238E27FC236}">
+                <a16:creationId xmlns:a16="http://schemas.microsoft.com/office/drawing/2014/main" id="{22181BA5-8FF7-4197-B74D-30879840AB7C}"/>
+              </a:ext>
+            </a:extLst>
+          </p:cNvPr>
+          <p:cNvSpPr/>
+          <p:nvPr/>
+        </p:nvSpPr>
+        <p:spPr>
+          <a:xfrm>
+            <a:off x="5701602" y="3645692"/>
+            <a:ext cx="1881525" cy="400110"/>
+          </a:xfrm>
+          <a:prstGeom prst="rect">
+            <a:avLst/>
+          </a:prstGeom>
+        </p:spPr>
+        <p:txBody>
+          <a:bodyPr wrap="square">
+            <a:spAutoFit/>
+          </a:bodyPr>
+          <a:lstStyle/>
+          <a:p>
+            <a:r>
+              <a:rPr lang="en-US" sz="2000" b="1" dirty="0">
+                <a:hlinkClick r:id="rId7"/>
+              </a:rPr>
+              <a:t>in/</a:t>
+            </a:r>
+            <a:r>
+              <a:rPr lang="en-US" sz="2000" b="1" dirty="0" err="1">
+                <a:hlinkClick r:id="rId7"/>
+              </a:rPr>
+              <a:t>fong</a:t>
+            </a:r>
+            <a:endParaRPr lang="en-US" sz="2000" b="1" dirty="0"/>
+          </a:p>
+        </p:txBody>
+      </p:sp>
+      <p:sp>
+        <p:nvSpPr>
+          <p:cNvPr id="15" name="Content Placeholder 2">
+            <a:extLst>
+              <a:ext uri="{FF2B5EF4-FFF2-40B4-BE49-F238E27FC236}">
+                <a16:creationId xmlns:a16="http://schemas.microsoft.com/office/drawing/2014/main" id="{066039C6-89CE-409B-9676-7FDC92558358}"/>
+              </a:ext>
+            </a:extLst>
+          </p:cNvPr>
+          <p:cNvSpPr>
+            <a:spLocks noGrp="1"/>
+          </p:cNvSpPr>
+          <p:nvPr>
+            <p:ph idx="1"/>
+          </p:nvPr>
+        </p:nvSpPr>
+        <p:spPr>
+          <a:xfrm>
+            <a:off x="983914" y="1242240"/>
+            <a:ext cx="9077634" cy="778828"/>
+          </a:xfrm>
+        </p:spPr>
+        <p:txBody>
+          <a:bodyPr>
+            <a:normAutofit/>
+          </a:bodyPr>
+          <a:lstStyle/>
+          <a:p>
+            <a:r>
+              <a:rPr lang="en-US" sz="3200" b="1" dirty="0"/>
+              <a:t>Welcome Allan Fong as new board member!!!</a:t>
+            </a:r>
+          </a:p>
+        </p:txBody>
+      </p:sp>
+    </p:spTree>
+    <p:extLst>
+      <p:ext uri="{BB962C8B-B14F-4D97-AF65-F5344CB8AC3E}">
+        <p14:creationId xmlns:p14="http://schemas.microsoft.com/office/powerpoint/2010/main" val="2123870089"/>
+      </p:ext>
+    </p:extLst>
+  </p:cSld>
+  <p:clrMapOvr>
+    <a:masterClrMapping/>
+  </p:clrMapOvr>
+</p:sld>
+</file>
+
+<file path=ppt/slides/slide11.xml><?xml version="1.0" encoding="utf-8"?>
+<p:sld xmlns:a="http://schemas.openxmlformats.org/drawingml/2006/main" xmlns:r="http://schemas.openxmlformats.org/officeDocument/2006/relationships" xmlns:p="http://schemas.openxmlformats.org/presentationml/2006/main">
+  <p:cSld>
+    <p:spTree>
+      <p:nvGrpSpPr>
+        <p:cNvPr id="1" name=""/>
+        <p:cNvGrpSpPr/>
+        <p:nvPr/>
+      </p:nvGrpSpPr>
+      <p:grpSpPr>
+        <a:xfrm>
+          <a:off x="0" y="0"/>
+          <a:ext cx="0" cy="0"/>
+          <a:chOff x="0" y="0"/>
+          <a:chExt cx="0" cy="0"/>
+        </a:xfrm>
+      </p:grpSpPr>
       <p:sp>
         <p:nvSpPr>
           <p:cNvPr id="3" name="Content Placeholder 2">
@@ -8874,7 +9256,7 @@
         </p:spPr>
         <p:txBody>
           <a:bodyPr>
-            <a:normAutofit fontScale="85000" lnSpcReduction="10000"/>
+            <a:normAutofit/>
           </a:bodyPr>
           <a:lstStyle/>
           <a:p>
@@ -9135,7 +9517,7 @@
 </p:sld>
 </file>
 
-<file path=ppt/slides/slide11.xml><?xml version="1.0" encoding="utf-8"?>
+<file path=ppt/slides/slide12.xml><?xml version="1.0" encoding="utf-8"?>
 <p:sld xmlns:a="http://schemas.openxmlformats.org/drawingml/2006/main" xmlns:r="http://schemas.openxmlformats.org/officeDocument/2006/relationships" xmlns:p="http://schemas.openxmlformats.org/presentationml/2006/main">
   <p:cSld>
     <p:spTree>
@@ -9517,7 +9899,7 @@
 </p:sld>
 </file>
 
-<file path=ppt/slides/slide12.xml><?xml version="1.0" encoding="utf-8"?>
+<file path=ppt/slides/slide13.xml><?xml version="1.0" encoding="utf-8"?>
 <p:sld xmlns:a="http://schemas.openxmlformats.org/drawingml/2006/main" xmlns:r="http://schemas.openxmlformats.org/officeDocument/2006/relationships" xmlns:p="http://schemas.openxmlformats.org/presentationml/2006/main">
   <p:cSld>
     <p:spTree>
@@ -9807,7 +10189,7 @@
 </p:sld>
 </file>
 
-<file path=ppt/slides/slide13.xml><?xml version="1.0" encoding="utf-8"?>
+<file path=ppt/slides/slide14.xml><?xml version="1.0" encoding="utf-8"?>
 <p:sld xmlns:a="http://schemas.openxmlformats.org/drawingml/2006/main" xmlns:r="http://schemas.openxmlformats.org/officeDocument/2006/relationships" xmlns:p="http://schemas.openxmlformats.org/presentationml/2006/main">
   <p:cSld>
     <p:spTree>
@@ -10118,14 +10500,14 @@
           </a:ln>
           <a:extLst>
             <a:ext uri="{909E8E84-426E-40dd-AFC4-6F175D3DCCD1}">
-              <a14:hiddenFill xmlns:a14="http://schemas.microsoft.com/office/drawing/2010/main" xmlns="">
+              <a14:hiddenFill xmlns="" xmlns:a14="http://schemas.microsoft.com/office/drawing/2010/main">
                 <a:solidFill>
                   <a:srgbClr val="FFFFFF"/>
                 </a:solidFill>
               </a14:hiddenFill>
             </a:ext>
             <a:ext uri="{91240B29-F687-4f45-9708-019B960494DF}">
-              <a14:hiddenLine xmlns:a14="http://schemas.microsoft.com/office/drawing/2010/main" xmlns="" w="9525">
+              <a14:hiddenLine xmlns="" xmlns:a14="http://schemas.microsoft.com/office/drawing/2010/main" w="9525">
                 <a:solidFill>
                   <a:srgbClr val="000000"/>
                 </a:solidFill>
@@ -10287,7 +10669,7 @@
 </p:sld>
 </file>
 
-<file path=ppt/slides/slide14.xml><?xml version="1.0" encoding="utf-8"?>
+<file path=ppt/slides/slide15.xml><?xml version="1.0" encoding="utf-8"?>
 <p:sld xmlns:a="http://schemas.openxmlformats.org/drawingml/2006/main" xmlns:r="http://schemas.openxmlformats.org/officeDocument/2006/relationships" xmlns:p="http://schemas.openxmlformats.org/presentationml/2006/main">
   <p:cSld>
     <p:spTree>
@@ -10399,7 +10781,7 @@
 </p:sld>
 </file>
 
-<file path=ppt/slides/slide15.xml><?xml version="1.0" encoding="utf-8"?>
+<file path=ppt/slides/slide16.xml><?xml version="1.0" encoding="utf-8"?>
 <p:sld xmlns:a="http://schemas.openxmlformats.org/drawingml/2006/main" xmlns:r="http://schemas.openxmlformats.org/officeDocument/2006/relationships" xmlns:p="http://schemas.openxmlformats.org/presentationml/2006/main">
   <p:cSld>
     <p:spTree>
@@ -10467,7 +10849,7 @@
         </p:blipFill>
         <p:spPr>
           <a:xfrm>
-            <a:off x="1194312" y="2721079"/>
+            <a:off x="1312299" y="1914648"/>
             <a:ext cx="5191125" cy="1400175"/>
           </a:xfrm>
           <a:prstGeom prst="rect">
@@ -10553,8 +10935,44 @@
         </p:blipFill>
         <p:spPr>
           <a:xfrm>
-            <a:off x="7072312" y="2606902"/>
+            <a:off x="7190299" y="1800471"/>
             <a:ext cx="3565158" cy="1628529"/>
+          </a:xfrm>
+          <a:prstGeom prst="rect">
+            <a:avLst/>
+          </a:prstGeom>
+        </p:spPr>
+      </p:pic>
+      <p:pic>
+        <p:nvPicPr>
+          <p:cNvPr id="4" name="Picture 3">
+            <a:extLst>
+              <a:ext uri="{FF2B5EF4-FFF2-40B4-BE49-F238E27FC236}">
+                <a16:creationId xmlns:a16="http://schemas.microsoft.com/office/drawing/2014/main" id="{74542352-C78E-4605-8875-4871888050B0}"/>
+              </a:ext>
+            </a:extLst>
+          </p:cNvPr>
+          <p:cNvPicPr>
+            <a:picLocks noChangeAspect="1"/>
+          </p:cNvPicPr>
+          <p:nvPr/>
+        </p:nvPicPr>
+        <p:blipFill>
+          <a:blip r:embed="rId6">
+            <a:extLst>
+              <a:ext uri="{28A0092B-C50C-407E-A947-70E740481C1C}">
+                <a14:useLocalDpi xmlns:a14="http://schemas.microsoft.com/office/drawing/2010/main" val="0"/>
+              </a:ext>
+            </a:extLst>
+          </a:blip>
+          <a:stretch>
+            <a:fillRect/>
+          </a:stretch>
+        </p:blipFill>
+        <p:spPr>
+          <a:xfrm>
+            <a:off x="4534514" y="4276536"/>
+            <a:ext cx="3937819" cy="689118"/>
           </a:xfrm>
           <a:prstGeom prst="rect">
             <a:avLst/>
@@ -10574,7 +10992,7 @@
 </p:sld>
 </file>
 
-<file path=ppt/slides/slide16.xml><?xml version="1.0" encoding="utf-8"?>
+<file path=ppt/slides/slide17.xml><?xml version="1.0" encoding="utf-8"?>
 <p:sld xmlns:a="http://schemas.openxmlformats.org/drawingml/2006/main" xmlns:r="http://schemas.openxmlformats.org/officeDocument/2006/relationships" xmlns:p="http://schemas.openxmlformats.org/presentationml/2006/main">
   <p:cSld>
     <p:spTree>
@@ -10932,7 +11350,7 @@
 </p:sld>
 </file>
 
-<file path=ppt/slides/slide17.xml><?xml version="1.0" encoding="utf-8"?>
+<file path=ppt/slides/slide18.xml><?xml version="1.0" encoding="utf-8"?>
 <p:sld xmlns:a="http://schemas.openxmlformats.org/drawingml/2006/main" xmlns:r="http://schemas.openxmlformats.org/officeDocument/2006/relationships" xmlns:p="http://schemas.openxmlformats.org/presentationml/2006/main">
   <p:cSld>
     <p:spTree>
@@ -11377,7 +11795,7 @@
 </p:sld>
 </file>
 
-<file path=ppt/slides/slide18.xml><?xml version="1.0" encoding="utf-8"?>
+<file path=ppt/slides/slide19.xml><?xml version="1.0" encoding="utf-8"?>
 <p:sld xmlns:a="http://schemas.openxmlformats.org/drawingml/2006/main" xmlns:r="http://schemas.openxmlformats.org/officeDocument/2006/relationships" xmlns:p="http://schemas.openxmlformats.org/presentationml/2006/main">
   <p:cSld>
     <p:spTree>
@@ -16116,14 +16534,14 @@
             </a:ln>
             <a:extLst>
               <a:ext uri="{909E8E84-426E-40dd-AFC4-6F175D3DCCD1}">
-                <a14:hiddenFill xmlns:a14="http://schemas.microsoft.com/office/drawing/2010/main" xmlns="">
+                <a14:hiddenFill xmlns="" xmlns:a14="http://schemas.microsoft.com/office/drawing/2010/main">
                   <a:solidFill>
                     <a:srgbClr val="FFFFFF"/>
                   </a:solidFill>
                 </a14:hiddenFill>
               </a:ext>
               <a:ext uri="{91240B29-F687-4f45-9708-019B960494DF}">
-                <a14:hiddenLine xmlns:a14="http://schemas.microsoft.com/office/drawing/2010/main" xmlns="" w="9525">
+                <a14:hiddenLine xmlns="" xmlns:a14="http://schemas.microsoft.com/office/drawing/2010/main" w="9525">
                   <a:solidFill>
                     <a:srgbClr val="000000"/>
                   </a:solidFill>
@@ -16418,14 +16836,14 @@
             </a:ln>
             <a:extLst>
               <a:ext uri="{909E8E84-426E-40dd-AFC4-6F175D3DCCD1}">
-                <a14:hiddenFill xmlns:a14="http://schemas.microsoft.com/office/drawing/2010/main" xmlns="">
+                <a14:hiddenFill xmlns="" xmlns:a14="http://schemas.microsoft.com/office/drawing/2010/main">
                   <a:solidFill>
                     <a:srgbClr val="FFFFFF"/>
                   </a:solidFill>
                 </a14:hiddenFill>
               </a:ext>
               <a:ext uri="{91240B29-F687-4f45-9708-019B960494DF}">
-                <a14:hiddenLine xmlns:a14="http://schemas.microsoft.com/office/drawing/2010/main" xmlns="" w="9525">
+                <a14:hiddenLine xmlns="" xmlns:a14="http://schemas.microsoft.com/office/drawing/2010/main" w="9525">
                   <a:solidFill>
                     <a:srgbClr val="000000"/>
                   </a:solidFill>
@@ -16737,7 +17155,7 @@
             </a:ln>
             <a:extLst>
               <a:ext uri="{91240B29-F687-4f45-9708-019B960494DF}">
-                <a14:hiddenLine xmlns:a14="http://schemas.microsoft.com/office/drawing/2010/main" xmlns="" w="9525">
+                <a14:hiddenLine xmlns="" xmlns:a14="http://schemas.microsoft.com/office/drawing/2010/main" w="9525">
                   <a:solidFill>
                     <a:srgbClr val="000000"/>
                   </a:solidFill>
@@ -16910,14 +17328,14 @@
             </a:ln>
             <a:extLst>
               <a:ext uri="{909E8E84-426E-40dd-AFC4-6F175D3DCCD1}">
-                <a14:hiddenFill xmlns:a14="http://schemas.microsoft.com/office/drawing/2010/main" xmlns="">
+                <a14:hiddenFill xmlns="" xmlns:a14="http://schemas.microsoft.com/office/drawing/2010/main">
                   <a:solidFill>
                     <a:srgbClr val="FFFFFF"/>
                   </a:solidFill>
                 </a14:hiddenFill>
               </a:ext>
               <a:ext uri="{91240B29-F687-4f45-9708-019B960494DF}">
-                <a14:hiddenLine xmlns:a14="http://schemas.microsoft.com/office/drawing/2010/main" xmlns="" w="9525">
+                <a14:hiddenLine xmlns="" xmlns:a14="http://schemas.microsoft.com/office/drawing/2010/main" w="9525">
                   <a:solidFill>
                     <a:srgbClr val="000000"/>
                   </a:solidFill>
@@ -17156,7 +17574,7 @@
             </a:ln>
             <a:extLst>
               <a:ext uri="{91240B29-F687-4f45-9708-019B960494DF}">
-                <a14:hiddenLine xmlns:a14="http://schemas.microsoft.com/office/drawing/2010/main" xmlns="" w="9525">
+                <a14:hiddenLine xmlns="" xmlns:a14="http://schemas.microsoft.com/office/drawing/2010/main" w="9525">
                   <a:solidFill>
                     <a:srgbClr val="000000"/>
                   </a:solidFill>
@@ -17493,14 +17911,14 @@
             </a:ln>
             <a:extLst>
               <a:ext uri="{909E8E84-426E-40dd-AFC4-6F175D3DCCD1}">
-                <a14:hiddenFill xmlns:a14="http://schemas.microsoft.com/office/drawing/2010/main" xmlns="">
+                <a14:hiddenFill xmlns="" xmlns:a14="http://schemas.microsoft.com/office/drawing/2010/main">
                   <a:solidFill>
                     <a:srgbClr val="FFFFFF"/>
                   </a:solidFill>
                 </a14:hiddenFill>
               </a:ext>
               <a:ext uri="{91240B29-F687-4f45-9708-019B960494DF}">
-                <a14:hiddenLine xmlns:a14="http://schemas.microsoft.com/office/drawing/2010/main" xmlns="" w="9525">
+                <a14:hiddenLine xmlns="" xmlns:a14="http://schemas.microsoft.com/office/drawing/2010/main" w="9525">
                   <a:solidFill>
                     <a:srgbClr val="000000"/>
                   </a:solidFill>
@@ -17950,14 +18368,14 @@
           </a:ln>
           <a:extLst>
             <a:ext uri="{909E8E84-426E-40dd-AFC4-6F175D3DCCD1}">
-              <a14:hiddenFill xmlns:a14="http://schemas.microsoft.com/office/drawing/2010/main" xmlns="">
+              <a14:hiddenFill xmlns="" xmlns:a14="http://schemas.microsoft.com/office/drawing/2010/main">
                 <a:solidFill>
                   <a:srgbClr val="FFFFFF"/>
                 </a:solidFill>
               </a14:hiddenFill>
             </a:ext>
             <a:ext uri="{91240B29-F687-4f45-9708-019B960494DF}">
-              <a14:hiddenLine xmlns:a14="http://schemas.microsoft.com/office/drawing/2010/main" xmlns="" w="9525">
+              <a14:hiddenLine xmlns="" xmlns:a14="http://schemas.microsoft.com/office/drawing/2010/main" w="9525">
                 <a:solidFill>
                   <a:srgbClr val="000000"/>
                 </a:solidFill>
@@ -19267,7 +19685,7 @@
         </p:spPr>
         <p:txBody>
           <a:bodyPr>
-            <a:normAutofit lnSpcReduction="10000"/>
+            <a:normAutofit/>
           </a:bodyPr>
           <a:lstStyle/>
           <a:p>
@@ -19632,10 +20050,11 @@
       </p:grpSpPr>
       <p:pic>
         <p:nvPicPr>
-          <p:cNvPr id="5" name="Picture 4">
+          <p:cNvPr id="4" name="Picture 3">
+            <a:hlinkClick r:id="rId2"/>
             <a:extLst>
               <a:ext uri="{FF2B5EF4-FFF2-40B4-BE49-F238E27FC236}">
-                <a16:creationId xmlns:a16="http://schemas.microsoft.com/office/drawing/2014/main" id="{438FEA95-A68F-489E-9F9A-797BC302D06F}"/>
+                <a16:creationId xmlns:a16="http://schemas.microsoft.com/office/drawing/2014/main" id="{E2F0AF54-1981-4480-8A12-EF069F0811CC}"/>
               </a:ext>
             </a:extLst>
           </p:cNvPr>
@@ -19645,63 +20064,27 @@
           <p:nvPr/>
         </p:nvPicPr>
         <p:blipFill>
-          <a:blip r:embed="rId2">
-            <a:extLst>
-              <a:ext uri="{28A0092B-C50C-407E-A947-70E740481C1C}">
-                <a14:useLocalDpi xmlns:a14="http://schemas.microsoft.com/office/drawing/2010/main" val="0"/>
-              </a:ext>
-            </a:extLst>
-          </a:blip>
+          <a:blip r:embed="rId3"/>
           <a:stretch>
             <a:fillRect/>
           </a:stretch>
         </p:blipFill>
         <p:spPr>
           <a:xfrm>
-            <a:off x="1148806" y="1934371"/>
-            <a:ext cx="2473118" cy="2473118"/>
+            <a:off x="5714716" y="2674728"/>
+            <a:ext cx="6029325" cy="2390775"/>
           </a:xfrm>
           <a:prstGeom prst="rect">
             <a:avLst/>
           </a:prstGeom>
-          <a:solidFill>
-            <a:srgbClr val="FFFFFF">
-              <a:shade val="85000"/>
-            </a:srgbClr>
-          </a:solidFill>
-          <a:ln w="88900" cap="sq">
-            <a:solidFill>
-              <a:srgbClr val="FFFFFF"/>
-            </a:solidFill>
-            <a:miter lim="800000"/>
-          </a:ln>
-          <a:effectLst>
-            <a:outerShdw blurRad="55000" dist="18000" dir="5400000" algn="tl" rotWithShape="0">
-              <a:srgbClr val="000000">
-                <a:alpha val="40000"/>
-              </a:srgbClr>
-            </a:outerShdw>
-          </a:effectLst>
-          <a:scene3d>
-            <a:camera prst="orthographicFront"/>
-            <a:lightRig rig="twoPt" dir="t">
-              <a:rot lat="0" lon="0" rev="7200000"/>
-            </a:lightRig>
-          </a:scene3d>
-          <a:sp3d>
-            <a:bevelT w="25400" h="19050"/>
-            <a:contourClr>
-              <a:srgbClr val="FFFFFF"/>
-            </a:contourClr>
-          </a:sp3d>
         </p:spPr>
       </p:pic>
       <p:sp>
         <p:nvSpPr>
-          <p:cNvPr id="2" name="Rectangle 1">
+          <p:cNvPr id="5" name="Rectangle 4">
             <a:extLst>
               <a:ext uri="{FF2B5EF4-FFF2-40B4-BE49-F238E27FC236}">
-                <a16:creationId xmlns:a16="http://schemas.microsoft.com/office/drawing/2014/main" id="{FB25F579-87CA-4B75-804F-CA6793A06D3C}"/>
+                <a16:creationId xmlns:a16="http://schemas.microsoft.com/office/drawing/2014/main" id="{C19FFBAC-4C36-43F4-A98B-E3616250E1AC}"/>
               </a:ext>
             </a:extLst>
           </p:cNvPr>
@@ -19710,8 +20093,8 @@
         </p:nvSpPr>
         <p:spPr>
           <a:xfrm>
-            <a:off x="983914" y="4665050"/>
-            <a:ext cx="9636668" cy="1754326"/>
+            <a:off x="2104103" y="758774"/>
+            <a:ext cx="7452852" cy="923330"/>
           </a:xfrm>
           <a:prstGeom prst="rect">
             <a:avLst/>
@@ -19723,23 +20106,22 @@
           </a:bodyPr>
           <a:lstStyle/>
           <a:p>
-            <a:pPr algn="just"/>
-            <a:r>
-              <a:rPr lang="en-US" dirty="0"/>
-              <a:t>Database Administrator and Technology enthusiast with 13 years of working experience in Technology, nine of which have been on Database Administration, worked with International Banks and big US Insurance companies.</a:t>
-            </a:r>
-          </a:p>
-          <a:p>
-            <a:pPr algn="just"/>
-            <a:endParaRPr lang="en-US" dirty="0"/>
-          </a:p>
-          <a:p>
-            <a:pPr algn="just"/>
-            <a:r>
-              <a:rPr lang="en-US" dirty="0"/>
-              <a:t>Having being assigned to SQL Server (Windows), Oracle (Windows, Linux, AIX, HPUX) and recently PostgreSQL and MySQL projects.</a:t>
-            </a:r>
-            <a:endParaRPr lang="en-US" b="1" dirty="0"/>
+            <a:pPr algn="ctr"/>
+            <a:r>
+              <a:rPr lang="en-US" sz="3600" b="1" dirty="0" err="1"/>
+              <a:t>SentryOne</a:t>
+            </a:r>
+            <a:r>
+              <a:rPr lang="en-US" sz="3600" b="1" dirty="0"/>
+              <a:t> Plan Explorer</a:t>
+            </a:r>
+            <a:br>
+              <a:rPr lang="en-US" b="1" dirty="0"/>
+            </a:br>
+            <a:r>
+              <a:rPr lang="en-US" b="1" dirty="0"/>
+              <a:t>Simplify Your SQL Server Query Tuning</a:t>
+            </a:r>
           </a:p>
         </p:txBody>
       </p:sp>
@@ -19748,7 +20130,7 @@
           <p:cNvPr id="6" name="Rectangle 5">
             <a:extLst>
               <a:ext uri="{FF2B5EF4-FFF2-40B4-BE49-F238E27FC236}">
-                <a16:creationId xmlns:a16="http://schemas.microsoft.com/office/drawing/2014/main" id="{FFA56391-84A0-4647-A160-9CDB49B69937}"/>
+                <a16:creationId xmlns:a16="http://schemas.microsoft.com/office/drawing/2014/main" id="{67869C45-2B9A-4268-99F6-987E884ABA88}"/>
               </a:ext>
             </a:extLst>
           </p:cNvPr>
@@ -19757,8 +20139,8 @@
         </p:nvSpPr>
         <p:spPr>
           <a:xfrm>
-            <a:off x="5701603" y="2564029"/>
-            <a:ext cx="1881525" cy="400110"/>
+            <a:off x="447959" y="2218384"/>
+            <a:ext cx="4971789" cy="3539430"/>
           </a:xfrm>
           <a:prstGeom prst="rect">
             <a:avLst/>
@@ -19770,221 +20152,68 @@
           </a:bodyPr>
           <a:lstStyle/>
           <a:p>
-            <a:r>
-              <a:rPr lang="en-US" sz="2000" b="1" dirty="0">
-                <a:hlinkClick r:id="rId3"/>
+            <a:pPr algn="ctr"/>
+            <a:r>
+              <a:rPr lang="en-US" sz="1600" dirty="0"/>
+              <a:t>Plan Explorer helps you quickly get to the root of the toughest SQL Server query problems.</a:t>
+            </a:r>
+          </a:p>
+          <a:p>
+            <a:pPr algn="ctr"/>
+            <a:endParaRPr lang="en-US" sz="1600" b="1" dirty="0"/>
+          </a:p>
+          <a:p>
+            <a:pPr algn="ctr"/>
+            <a:r>
+              <a:rPr lang="en-US" sz="1600" dirty="0"/>
+              <a:t>Break through database performance barriers with advanced query tuning features not found in any other tool.</a:t>
+            </a:r>
+          </a:p>
+          <a:p>
+            <a:pPr algn="ctr"/>
+            <a:endParaRPr lang="en-US" sz="1600" dirty="0"/>
+          </a:p>
+          <a:p>
+            <a:pPr algn="ctr"/>
+            <a:r>
+              <a:rPr lang="en-US" sz="1600" dirty="0"/>
+              <a:t>Plan Explorer is a single installation file containing the application and the SQL Server Management Studio (SSMS) add-in</a:t>
+            </a:r>
+          </a:p>
+          <a:p>
+            <a:pPr algn="ctr"/>
+            <a:endParaRPr lang="en-US" sz="1600" dirty="0"/>
+          </a:p>
+          <a:p>
+            <a:pPr algn="ctr"/>
+            <a:r>
+              <a:rPr lang="en-US" sz="1600" b="1" dirty="0"/>
+              <a:t>Plan Explorer is Free to use. </a:t>
+            </a:r>
+          </a:p>
+          <a:p>
+            <a:pPr algn="ctr"/>
+            <a:r>
+              <a:rPr lang="en-US" sz="1600" dirty="0"/>
+              <a:t>You can download it  from here: </a:t>
+            </a:r>
+          </a:p>
+          <a:p>
+            <a:pPr algn="ctr"/>
+            <a:r>
+              <a:rPr lang="en-US" sz="1600" dirty="0">
+                <a:hlinkClick r:id="rId2"/>
               </a:rPr>
-              <a:t>@</a:t>
-            </a:r>
-            <a:r>
-              <a:rPr lang="en-US" sz="2000" b="1" dirty="0" err="1">
-                <a:hlinkClick r:id="rId3"/>
-              </a:rPr>
-              <a:t>omegagt</a:t>
-            </a:r>
-            <a:endParaRPr lang="en-US" sz="2000" b="1" dirty="0"/>
-          </a:p>
-        </p:txBody>
-      </p:sp>
-      <p:pic>
-        <p:nvPicPr>
-          <p:cNvPr id="7" name="Picture 8" descr="Image result for twitter logo">
-            <a:hlinkClick r:id="rId4"/>
-            <a:extLst>
-              <a:ext uri="{FF2B5EF4-FFF2-40B4-BE49-F238E27FC236}">
-                <a16:creationId xmlns:a16="http://schemas.microsoft.com/office/drawing/2014/main" id="{1577806C-B454-4291-B088-68D6A2E9C660}"/>
-              </a:ext>
-            </a:extLst>
-          </p:cNvPr>
-          <p:cNvPicPr>
-            <a:picLocks noChangeAspect="1" noChangeArrowheads="1"/>
-          </p:cNvPicPr>
-          <p:nvPr/>
-        </p:nvPicPr>
-        <p:blipFill>
-          <a:blip r:embed="rId5">
-            <a:extLst>
-              <a:ext uri="{28A0092B-C50C-407E-A947-70E740481C1C}">
-                <a14:useLocalDpi xmlns:a14="http://schemas.microsoft.com/office/drawing/2010/main" val="0"/>
-              </a:ext>
-            </a:extLst>
-          </a:blip>
-          <a:srcRect/>
-          <a:stretch>
-            <a:fillRect/>
-          </a:stretch>
-        </p:blipFill>
-        <p:spPr bwMode="auto">
-          <a:xfrm>
-            <a:off x="4516571" y="2330692"/>
-            <a:ext cx="1033065" cy="840238"/>
-          </a:xfrm>
-          <a:prstGeom prst="rect">
-            <a:avLst/>
-          </a:prstGeom>
-          <a:noFill/>
-          <a:extLst>
-            <a:ext uri="{909E8E84-426E-40DD-AFC4-6F175D3DCCD1}">
-              <a14:hiddenFill xmlns:a14="http://schemas.microsoft.com/office/drawing/2010/main">
-                <a:solidFill>
-                  <a:srgbClr val="FFFFFF"/>
-                </a:solidFill>
-              </a14:hiddenFill>
-            </a:ext>
-          </a:extLst>
-        </p:spPr>
-      </p:pic>
-      <p:sp>
-        <p:nvSpPr>
-          <p:cNvPr id="9" name="Title 1">
-            <a:extLst>
-              <a:ext uri="{FF2B5EF4-FFF2-40B4-BE49-F238E27FC236}">
-                <a16:creationId xmlns:a16="http://schemas.microsoft.com/office/drawing/2014/main" id="{89C8D911-DBB3-4134-995D-74CDA262ED85}"/>
-              </a:ext>
-            </a:extLst>
-          </p:cNvPr>
-          <p:cNvSpPr>
-            <a:spLocks noGrp="1"/>
-          </p:cNvSpPr>
-          <p:nvPr>
-            <p:ph type="title"/>
-          </p:nvPr>
-        </p:nvSpPr>
-        <p:spPr>
-          <a:xfrm>
-            <a:off x="609600" y="528596"/>
-            <a:ext cx="10972800" cy="685800"/>
-          </a:xfrm>
-        </p:spPr>
-        <p:txBody>
-          <a:bodyPr/>
-          <a:lstStyle/>
-          <a:p>
-            <a:r>
-              <a:rPr lang="en-US" b="1" dirty="0"/>
-              <a:t>Community news</a:t>
-            </a:r>
-          </a:p>
-        </p:txBody>
-      </p:sp>
-      <p:pic>
-        <p:nvPicPr>
-          <p:cNvPr id="11" name="Picture 10">
-            <a:extLst>
-              <a:ext uri="{FF2B5EF4-FFF2-40B4-BE49-F238E27FC236}">
-                <a16:creationId xmlns:a16="http://schemas.microsoft.com/office/drawing/2014/main" id="{79BE73D5-D067-4D24-9396-0BA9219F2E4C}"/>
-              </a:ext>
-            </a:extLst>
-          </p:cNvPr>
-          <p:cNvPicPr>
-            <a:picLocks noChangeAspect="1"/>
-          </p:cNvPicPr>
-          <p:nvPr/>
-        </p:nvPicPr>
-        <p:blipFill>
-          <a:blip r:embed="rId6">
-            <a:extLst>
-              <a:ext uri="{28A0092B-C50C-407E-A947-70E740481C1C}">
-                <a14:useLocalDpi xmlns:a14="http://schemas.microsoft.com/office/drawing/2010/main" val="0"/>
-              </a:ext>
-            </a:extLst>
-          </a:blip>
-          <a:stretch>
-            <a:fillRect/>
-          </a:stretch>
-        </p:blipFill>
-        <p:spPr>
-          <a:xfrm>
-            <a:off x="4516571" y="3428491"/>
-            <a:ext cx="840239" cy="840239"/>
-          </a:xfrm>
-          <a:prstGeom prst="rect">
-            <a:avLst/>
-          </a:prstGeom>
-        </p:spPr>
-      </p:pic>
-      <p:sp>
-        <p:nvSpPr>
-          <p:cNvPr id="12" name="Rectangle 11">
-            <a:extLst>
-              <a:ext uri="{FF2B5EF4-FFF2-40B4-BE49-F238E27FC236}">
-                <a16:creationId xmlns:a16="http://schemas.microsoft.com/office/drawing/2014/main" id="{22181BA5-8FF7-4197-B74D-30879840AB7C}"/>
-              </a:ext>
-            </a:extLst>
-          </p:cNvPr>
-          <p:cNvSpPr/>
-          <p:nvPr/>
-        </p:nvSpPr>
-        <p:spPr>
-          <a:xfrm>
-            <a:off x="5701602" y="3645692"/>
-            <a:ext cx="1881525" cy="400110"/>
-          </a:xfrm>
-          <a:prstGeom prst="rect">
-            <a:avLst/>
-          </a:prstGeom>
-        </p:spPr>
-        <p:txBody>
-          <a:bodyPr wrap="square">
-            <a:spAutoFit/>
-          </a:bodyPr>
-          <a:lstStyle/>
-          <a:p>
-            <a:r>
-              <a:rPr lang="en-US" sz="2000" b="1" dirty="0">
-                <a:hlinkClick r:id="rId7"/>
-              </a:rPr>
-              <a:t>in/</a:t>
-            </a:r>
-            <a:r>
-              <a:rPr lang="en-US" sz="2000" b="1" dirty="0" err="1">
-                <a:hlinkClick r:id="rId7"/>
-              </a:rPr>
-              <a:t>fong</a:t>
-            </a:r>
-            <a:endParaRPr lang="en-US" sz="2000" b="1" dirty="0"/>
-          </a:p>
-        </p:txBody>
-      </p:sp>
-      <p:sp>
-        <p:nvSpPr>
-          <p:cNvPr id="15" name="Content Placeholder 2">
-            <a:extLst>
-              <a:ext uri="{FF2B5EF4-FFF2-40B4-BE49-F238E27FC236}">
-                <a16:creationId xmlns:a16="http://schemas.microsoft.com/office/drawing/2014/main" id="{066039C6-89CE-409B-9676-7FDC92558358}"/>
-              </a:ext>
-            </a:extLst>
-          </p:cNvPr>
-          <p:cNvSpPr>
-            <a:spLocks noGrp="1"/>
-          </p:cNvSpPr>
-          <p:nvPr>
-            <p:ph idx="1"/>
-          </p:nvPr>
-        </p:nvSpPr>
-        <p:spPr>
-          <a:xfrm>
-            <a:off x="983914" y="1242240"/>
-            <a:ext cx="9077634" cy="778828"/>
-          </a:xfrm>
-        </p:spPr>
-        <p:txBody>
-          <a:bodyPr>
-            <a:normAutofit fontScale="85000" lnSpcReduction="10000"/>
-          </a:bodyPr>
-          <a:lstStyle/>
-          <a:p>
-            <a:r>
-              <a:rPr lang="en-US" sz="3200" b="1" dirty="0"/>
-              <a:t>Welcome Allan Fong as new board member!!!</a:t>
-            </a:r>
+              <a:t>https://www.sentryone.com/plan-explorer</a:t>
+            </a:r>
+            <a:endParaRPr lang="en-US" sz="1600" dirty="0"/>
           </a:p>
         </p:txBody>
       </p:sp>
     </p:spTree>
     <p:extLst>
       <p:ext uri="{BB962C8B-B14F-4D97-AF65-F5344CB8AC3E}">
-        <p14:creationId xmlns:p14="http://schemas.microsoft.com/office/powerpoint/2010/main" val="2123870089"/>
+        <p14:creationId xmlns:p14="http://schemas.microsoft.com/office/powerpoint/2010/main" val="2073317317"/>
       </p:ext>
     </p:extLst>
   </p:cSld>
